--- a/PRESENTATIONS/linked-data-osaka-2017.pptx
+++ b/PRESENTATIONS/linked-data-osaka-2017.pptx
@@ -5,10 +5,10 @@
     <p:sldMasterId id="2147483648" r:id="rId1"/>
   </p:sldMasterIdLst>
   <p:notesMasterIdLst>
-    <p:notesMasterId r:id="rId24"/>
+    <p:notesMasterId r:id="rId26"/>
   </p:notesMasterIdLst>
   <p:handoutMasterIdLst>
-    <p:handoutMasterId r:id="rId25"/>
+    <p:handoutMasterId r:id="rId27"/>
   </p:handoutMasterIdLst>
   <p:sldIdLst>
     <p:sldId id="256" r:id="rId2"/>
@@ -20,19 +20,21 @@
     <p:sldId id="262" r:id="rId8"/>
     <p:sldId id="263" r:id="rId9"/>
     <p:sldId id="276" r:id="rId10"/>
-    <p:sldId id="277" r:id="rId11"/>
-    <p:sldId id="265" r:id="rId12"/>
-    <p:sldId id="267" r:id="rId13"/>
-    <p:sldId id="266" r:id="rId14"/>
-    <p:sldId id="279" r:id="rId15"/>
-    <p:sldId id="274" r:id="rId16"/>
-    <p:sldId id="268" r:id="rId17"/>
-    <p:sldId id="270" r:id="rId18"/>
-    <p:sldId id="278" r:id="rId19"/>
-    <p:sldId id="272" r:id="rId20"/>
-    <p:sldId id="269" r:id="rId21"/>
-    <p:sldId id="273" r:id="rId22"/>
-    <p:sldId id="271" r:id="rId23"/>
+    <p:sldId id="281" r:id="rId11"/>
+    <p:sldId id="277" r:id="rId12"/>
+    <p:sldId id="265" r:id="rId13"/>
+    <p:sldId id="267" r:id="rId14"/>
+    <p:sldId id="266" r:id="rId15"/>
+    <p:sldId id="279" r:id="rId16"/>
+    <p:sldId id="274" r:id="rId17"/>
+    <p:sldId id="268" r:id="rId18"/>
+    <p:sldId id="270" r:id="rId19"/>
+    <p:sldId id="278" r:id="rId20"/>
+    <p:sldId id="272" r:id="rId21"/>
+    <p:sldId id="269" r:id="rId22"/>
+    <p:sldId id="273" r:id="rId23"/>
+    <p:sldId id="280" r:id="rId24"/>
+    <p:sldId id="271" r:id="rId25"/>
   </p:sldIdLst>
   <p:sldSz cx="9144000" cy="5143500" type="screen16x9"/>
   <p:notesSz cx="6858000" cy="9144000"/>
@@ -899,7 +901,7 @@
           <a:p>
             <a:fld id="{FFCAC29E-D1CB-1147-9211-A8EB1426A3B7}" type="slidenum">
               <a:rPr lang="en-US" smtClean="0"/>
-              <a:t>15</a:t>
+              <a:t>10</a:t>
             </a:fld>
             <a:endParaRPr lang="en-US"/>
           </a:p>
@@ -908,7 +910,7 @@
     </p:spTree>
     <p:extLst>
       <p:ext uri="{BB962C8B-B14F-4D97-AF65-F5344CB8AC3E}">
-        <p14:creationId xmlns:p14="http://schemas.microsoft.com/office/powerpoint/2010/main" val="1110368357"/>
+        <p14:creationId xmlns:p14="http://schemas.microsoft.com/office/powerpoint/2010/main" val="2014435938"/>
       </p:ext>
     </p:extLst>
   </p:cSld>
@@ -983,7 +985,7 @@
           <a:p>
             <a:fld id="{FFCAC29E-D1CB-1147-9211-A8EB1426A3B7}" type="slidenum">
               <a:rPr lang="en-US" smtClean="0"/>
-              <a:t>19</a:t>
+              <a:t>16</a:t>
             </a:fld>
             <a:endParaRPr lang="en-US"/>
           </a:p>
@@ -992,7 +994,7 @@
     </p:spTree>
     <p:extLst>
       <p:ext uri="{BB962C8B-B14F-4D97-AF65-F5344CB8AC3E}">
-        <p14:creationId xmlns:p14="http://schemas.microsoft.com/office/powerpoint/2010/main" val="1927692722"/>
+        <p14:creationId xmlns:p14="http://schemas.microsoft.com/office/powerpoint/2010/main" val="1110368357"/>
       </p:ext>
     </p:extLst>
   </p:cSld>
@@ -1076,7 +1078,175 @@
     </p:spTree>
     <p:extLst>
       <p:ext uri="{BB962C8B-B14F-4D97-AF65-F5344CB8AC3E}">
+        <p14:creationId xmlns:p14="http://schemas.microsoft.com/office/powerpoint/2010/main" val="1927692722"/>
+      </p:ext>
+    </p:extLst>
+  </p:cSld>
+  <p:clrMapOvr>
+    <a:masterClrMapping/>
+  </p:clrMapOvr>
+</p:notes>
+</file>
+
+<file path=ppt/notesSlides/notesSlide6.xml><?xml version="1.0" encoding="utf-8"?>
+<p:notes xmlns:a="http://schemas.openxmlformats.org/drawingml/2006/main" xmlns:r="http://schemas.openxmlformats.org/officeDocument/2006/relationships" xmlns:p="http://schemas.openxmlformats.org/presentationml/2006/main">
+  <p:cSld>
+    <p:spTree>
+      <p:nvGrpSpPr>
+        <p:cNvPr id="1" name=""/>
+        <p:cNvGrpSpPr/>
+        <p:nvPr/>
+      </p:nvGrpSpPr>
+      <p:grpSpPr>
+        <a:xfrm>
+          <a:off x="0" y="0"/>
+          <a:ext cx="0" cy="0"/>
+          <a:chOff x="0" y="0"/>
+          <a:chExt cx="0" cy="0"/>
+        </a:xfrm>
+      </p:grpSpPr>
+      <p:sp>
+        <p:nvSpPr>
+          <p:cNvPr id="2" name="Slide Image Placeholder 1"/>
+          <p:cNvSpPr>
+            <a:spLocks noGrp="1" noRot="1" noChangeAspect="1"/>
+          </p:cNvSpPr>
+          <p:nvPr>
+            <p:ph type="sldImg"/>
+          </p:nvPr>
+        </p:nvSpPr>
+        <p:spPr/>
+      </p:sp>
+      <p:sp>
+        <p:nvSpPr>
+          <p:cNvPr id="3" name="Notes Placeholder 2"/>
+          <p:cNvSpPr>
+            <a:spLocks noGrp="1"/>
+          </p:cNvSpPr>
+          <p:nvPr>
+            <p:ph type="body" idx="1"/>
+          </p:nvPr>
+        </p:nvSpPr>
+        <p:spPr/>
+        <p:txBody>
+          <a:bodyPr/>
+          <a:lstStyle/>
+          <a:p>
+            <a:endParaRPr lang="en-GB" dirty="0"/>
+          </a:p>
+        </p:txBody>
+      </p:sp>
+      <p:sp>
+        <p:nvSpPr>
+          <p:cNvPr id="4" name="Slide Number Placeholder 3"/>
+          <p:cNvSpPr>
+            <a:spLocks noGrp="1"/>
+          </p:cNvSpPr>
+          <p:nvPr>
+            <p:ph type="sldNum" sz="quarter" idx="10"/>
+          </p:nvPr>
+        </p:nvSpPr>
+        <p:spPr/>
+        <p:txBody>
+          <a:bodyPr/>
+          <a:lstStyle/>
+          <a:p>
+            <a:fld id="{FFCAC29E-D1CB-1147-9211-A8EB1426A3B7}" type="slidenum">
+              <a:rPr lang="en-US" smtClean="0"/>
+              <a:t>21</a:t>
+            </a:fld>
+            <a:endParaRPr lang="en-US"/>
+          </a:p>
+        </p:txBody>
+      </p:sp>
+    </p:spTree>
+    <p:extLst>
+      <p:ext uri="{BB962C8B-B14F-4D97-AF65-F5344CB8AC3E}">
         <p14:creationId xmlns:p14="http://schemas.microsoft.com/office/powerpoint/2010/main" val="1761563804"/>
+      </p:ext>
+    </p:extLst>
+  </p:cSld>
+  <p:clrMapOvr>
+    <a:masterClrMapping/>
+  </p:clrMapOvr>
+</p:notes>
+</file>
+
+<file path=ppt/notesSlides/notesSlide7.xml><?xml version="1.0" encoding="utf-8"?>
+<p:notes xmlns:a="http://schemas.openxmlformats.org/drawingml/2006/main" xmlns:r="http://schemas.openxmlformats.org/officeDocument/2006/relationships" xmlns:p="http://schemas.openxmlformats.org/presentationml/2006/main">
+  <p:cSld>
+    <p:spTree>
+      <p:nvGrpSpPr>
+        <p:cNvPr id="1" name=""/>
+        <p:cNvGrpSpPr/>
+        <p:nvPr/>
+      </p:nvGrpSpPr>
+      <p:grpSpPr>
+        <a:xfrm>
+          <a:off x="0" y="0"/>
+          <a:ext cx="0" cy="0"/>
+          <a:chOff x="0" y="0"/>
+          <a:chExt cx="0" cy="0"/>
+        </a:xfrm>
+      </p:grpSpPr>
+      <p:sp>
+        <p:nvSpPr>
+          <p:cNvPr id="2" name="Slide Image Placeholder 1"/>
+          <p:cNvSpPr>
+            <a:spLocks noGrp="1" noRot="1" noChangeAspect="1"/>
+          </p:cNvSpPr>
+          <p:nvPr>
+            <p:ph type="sldImg"/>
+          </p:nvPr>
+        </p:nvSpPr>
+        <p:spPr/>
+      </p:sp>
+      <p:sp>
+        <p:nvSpPr>
+          <p:cNvPr id="3" name="Notes Placeholder 2"/>
+          <p:cNvSpPr>
+            <a:spLocks noGrp="1"/>
+          </p:cNvSpPr>
+          <p:nvPr>
+            <p:ph type="body" idx="1"/>
+          </p:nvPr>
+        </p:nvSpPr>
+        <p:spPr/>
+        <p:txBody>
+          <a:bodyPr/>
+          <a:lstStyle/>
+          <a:p>
+            <a:endParaRPr lang="en-GB" dirty="0"/>
+          </a:p>
+        </p:txBody>
+      </p:sp>
+      <p:sp>
+        <p:nvSpPr>
+          <p:cNvPr id="4" name="Slide Number Placeholder 3"/>
+          <p:cNvSpPr>
+            <a:spLocks noGrp="1"/>
+          </p:cNvSpPr>
+          <p:nvPr>
+            <p:ph type="sldNum" sz="quarter" idx="10"/>
+          </p:nvPr>
+        </p:nvSpPr>
+        <p:spPr/>
+        <p:txBody>
+          <a:bodyPr/>
+          <a:lstStyle/>
+          <a:p>
+            <a:fld id="{FFCAC29E-D1CB-1147-9211-A8EB1426A3B7}" type="slidenum">
+              <a:rPr lang="en-US" smtClean="0"/>
+              <a:t>23</a:t>
+            </a:fld>
+            <a:endParaRPr lang="en-US"/>
+          </a:p>
+        </p:txBody>
+      </p:sp>
+    </p:spTree>
+    <p:extLst>
+      <p:ext uri="{BB962C8B-B14F-4D97-AF65-F5344CB8AC3E}">
+        <p14:creationId xmlns:p14="http://schemas.microsoft.com/office/powerpoint/2010/main" val="475039875"/>
       </p:ext>
     </p:extLst>
   </p:cSld>
@@ -4242,65 +4412,7 @@
           <a:bodyPr/>
           <a:lstStyle/>
           <a:p>
-            <a:r>
-              <a:rPr lang="en-GB" dirty="0" smtClean="0"/>
-              <a:t>Some Comments</a:t>
-            </a:r>
-            <a:endParaRPr lang="en-GB" dirty="0"/>
-          </a:p>
-        </p:txBody>
-      </p:sp>
-      <p:sp>
-        <p:nvSpPr>
-          <p:cNvPr id="3" name="Content Placeholder 2"/>
-          <p:cNvSpPr>
-            <a:spLocks noGrp="1"/>
-          </p:cNvSpPr>
-          <p:nvPr>
-            <p:ph idx="1"/>
-          </p:nvPr>
-        </p:nvSpPr>
-        <p:spPr/>
-        <p:txBody>
-          <a:bodyPr>
-            <a:normAutofit fontScale="85000" lnSpcReduction="10000"/>
-          </a:bodyPr>
-          <a:lstStyle/>
-          <a:p>
-            <a:r>
-              <a:rPr lang="en-GB" dirty="0" smtClean="0"/>
-              <a:t>If the interaction model is represented in JSON we can use @context to map strings to URIs</a:t>
-            </a:r>
-          </a:p>
-          <a:p>
-            <a:r>
-              <a:rPr lang="en-GB" dirty="0" smtClean="0"/>
-              <a:t>This allows us to translate JSON to RDF</a:t>
-            </a:r>
-          </a:p>
-          <a:p>
-            <a:r>
-              <a:rPr lang="en-GB" dirty="0" smtClean="0"/>
-              <a:t>But interaction model is not same as semantic model, so conflating the two is likely to cause problems</a:t>
-            </a:r>
-          </a:p>
-          <a:p>
-            <a:pPr lvl="1"/>
-            <a:r>
-              <a:rPr lang="en-GB" dirty="0"/>
-              <a:t>e</a:t>
-            </a:r>
-            <a:r>
-              <a:rPr lang="en-GB" dirty="0" smtClean="0"/>
-              <a:t>.g. when risk of invalid reasoning when mapping several different interaction models to the same semantic model</a:t>
-            </a:r>
-          </a:p>
-          <a:p>
-            <a:pPr lvl="1"/>
-            <a:r>
-              <a:rPr lang="en-GB" dirty="0" smtClean="0"/>
-              <a:t>Thus need for explicit mapping, hence “semantic role”</a:t>
-            </a:r>
+            <a:endParaRPr lang="en-GB"/>
           </a:p>
         </p:txBody>
       </p:sp>
@@ -4327,23 +4439,1308 @@
           </a:p>
         </p:txBody>
       </p:sp>
+      <p:sp>
+        <p:nvSpPr>
+          <p:cNvPr id="5" name="Slide Number Placeholder 3"/>
+          <p:cNvSpPr txBox="1">
+            <a:spLocks/>
+          </p:cNvSpPr>
+          <p:nvPr/>
+        </p:nvSpPr>
+        <p:spPr>
+          <a:xfrm>
+            <a:off x="6553200" y="4767263"/>
+            <a:ext cx="2133600" cy="273844"/>
+          </a:xfrm>
+          <a:prstGeom prst="rect">
+            <a:avLst/>
+          </a:prstGeom>
+        </p:spPr>
+        <p:txBody>
+          <a:bodyPr vert="horz" lIns="91440" tIns="45720" rIns="91440" bIns="45720" rtlCol="0" anchor="ctr"/>
+          <a:lstStyle>
+            <a:defPPr>
+              <a:defRPr lang="en-US"/>
+            </a:defPPr>
+            <a:lvl1pPr marL="0" algn="r" defTabSz="457200" rtl="0" eaLnBrk="1" latinLnBrk="0" hangingPunct="1">
+              <a:defRPr sz="1200" kern="1200">
+                <a:solidFill>
+                  <a:schemeClr val="tx1">
+                    <a:tint val="75000"/>
+                  </a:schemeClr>
+                </a:solidFill>
+                <a:latin typeface="+mn-lt"/>
+                <a:ea typeface="+mn-ea"/>
+                <a:cs typeface="+mn-cs"/>
+              </a:defRPr>
+            </a:lvl1pPr>
+            <a:lvl2pPr marL="457200" algn="l" defTabSz="457200" rtl="0" eaLnBrk="1" latinLnBrk="0" hangingPunct="1">
+              <a:defRPr sz="1800" kern="1200">
+                <a:solidFill>
+                  <a:schemeClr val="tx1"/>
+                </a:solidFill>
+                <a:latin typeface="+mn-lt"/>
+                <a:ea typeface="+mn-ea"/>
+                <a:cs typeface="+mn-cs"/>
+              </a:defRPr>
+            </a:lvl2pPr>
+            <a:lvl3pPr marL="914400" algn="l" defTabSz="457200" rtl="0" eaLnBrk="1" latinLnBrk="0" hangingPunct="1">
+              <a:defRPr sz="1800" kern="1200">
+                <a:solidFill>
+                  <a:schemeClr val="tx1"/>
+                </a:solidFill>
+                <a:latin typeface="+mn-lt"/>
+                <a:ea typeface="+mn-ea"/>
+                <a:cs typeface="+mn-cs"/>
+              </a:defRPr>
+            </a:lvl3pPr>
+            <a:lvl4pPr marL="1371600" algn="l" defTabSz="457200" rtl="0" eaLnBrk="1" latinLnBrk="0" hangingPunct="1">
+              <a:defRPr sz="1800" kern="1200">
+                <a:solidFill>
+                  <a:schemeClr val="tx1"/>
+                </a:solidFill>
+                <a:latin typeface="+mn-lt"/>
+                <a:ea typeface="+mn-ea"/>
+                <a:cs typeface="+mn-cs"/>
+              </a:defRPr>
+            </a:lvl4pPr>
+            <a:lvl5pPr marL="1828800" algn="l" defTabSz="457200" rtl="0" eaLnBrk="1" latinLnBrk="0" hangingPunct="1">
+              <a:defRPr sz="1800" kern="1200">
+                <a:solidFill>
+                  <a:schemeClr val="tx1"/>
+                </a:solidFill>
+                <a:latin typeface="+mn-lt"/>
+                <a:ea typeface="+mn-ea"/>
+                <a:cs typeface="+mn-cs"/>
+              </a:defRPr>
+            </a:lvl5pPr>
+            <a:lvl6pPr marL="2286000" algn="l" defTabSz="457200" rtl="0" eaLnBrk="1" latinLnBrk="0" hangingPunct="1">
+              <a:defRPr sz="1800" kern="1200">
+                <a:solidFill>
+                  <a:schemeClr val="tx1"/>
+                </a:solidFill>
+                <a:latin typeface="+mn-lt"/>
+                <a:ea typeface="+mn-ea"/>
+                <a:cs typeface="+mn-cs"/>
+              </a:defRPr>
+            </a:lvl6pPr>
+            <a:lvl7pPr marL="2743200" algn="l" defTabSz="457200" rtl="0" eaLnBrk="1" latinLnBrk="0" hangingPunct="1">
+              <a:defRPr sz="1800" kern="1200">
+                <a:solidFill>
+                  <a:schemeClr val="tx1"/>
+                </a:solidFill>
+                <a:latin typeface="+mn-lt"/>
+                <a:ea typeface="+mn-ea"/>
+                <a:cs typeface="+mn-cs"/>
+              </a:defRPr>
+            </a:lvl7pPr>
+            <a:lvl8pPr marL="3200400" algn="l" defTabSz="457200" rtl="0" eaLnBrk="1" latinLnBrk="0" hangingPunct="1">
+              <a:defRPr sz="1800" kern="1200">
+                <a:solidFill>
+                  <a:schemeClr val="tx1"/>
+                </a:solidFill>
+                <a:latin typeface="+mn-lt"/>
+                <a:ea typeface="+mn-ea"/>
+                <a:cs typeface="+mn-cs"/>
+              </a:defRPr>
+            </a:lvl8pPr>
+            <a:lvl9pPr marL="3657600" algn="l" defTabSz="457200" rtl="0" eaLnBrk="1" latinLnBrk="0" hangingPunct="1">
+              <a:defRPr sz="1800" kern="1200">
+                <a:solidFill>
+                  <a:schemeClr val="tx1"/>
+                </a:solidFill>
+                <a:latin typeface="+mn-lt"/>
+                <a:ea typeface="+mn-ea"/>
+                <a:cs typeface="+mn-cs"/>
+              </a:defRPr>
+            </a:lvl9pPr>
+          </a:lstStyle>
+          <a:p>
+            <a:fld id="{F558E1C9-ACA8-C844-BF9D-B5BFB8FAABAF}" type="slidenum">
+              <a:rPr lang="en-US" smtClean="0"/>
+              <a:pPr/>
+              <a:t>9</a:t>
+            </a:fld>
+            <a:endParaRPr lang="en-US"/>
+          </a:p>
+        </p:txBody>
+      </p:sp>
+      <p:grpSp>
+        <p:nvGrpSpPr>
+          <p:cNvPr id="36" name="Group 35"/>
+          <p:cNvGrpSpPr/>
+          <p:nvPr/>
+        </p:nvGrpSpPr>
+        <p:grpSpPr>
+          <a:xfrm>
+            <a:off x="2085174" y="1734300"/>
+            <a:ext cx="4608475" cy="3032963"/>
+            <a:chOff x="2085174" y="1734300"/>
+            <a:chExt cx="4608475" cy="3032963"/>
+          </a:xfrm>
+        </p:grpSpPr>
+        <p:sp>
+          <p:nvSpPr>
+            <p:cNvPr id="7" name="Hexagon 6"/>
+            <p:cNvSpPr/>
+            <p:nvPr/>
+          </p:nvSpPr>
+          <p:spPr>
+            <a:xfrm>
+              <a:off x="5019049" y="3133082"/>
+              <a:ext cx="1178780" cy="821626"/>
+            </a:xfrm>
+            <a:prstGeom prst="hexagon">
+              <a:avLst/>
+            </a:prstGeom>
+            <a:gradFill flip="none" rotWithShape="1">
+              <a:gsLst>
+                <a:gs pos="0">
+                  <a:schemeClr val="accent1">
+                    <a:lumMod val="67000"/>
+                  </a:schemeClr>
+                </a:gs>
+                <a:gs pos="48000">
+                  <a:schemeClr val="accent1">
+                    <a:lumMod val="97000"/>
+                    <a:lumOff val="3000"/>
+                  </a:schemeClr>
+                </a:gs>
+                <a:gs pos="100000">
+                  <a:schemeClr val="accent1">
+                    <a:lumMod val="60000"/>
+                    <a:lumOff val="40000"/>
+                  </a:schemeClr>
+                </a:gs>
+              </a:gsLst>
+              <a:lin ang="16200000" scaled="1"/>
+              <a:tileRect/>
+            </a:gradFill>
+          </p:spPr>
+          <p:style>
+            <a:lnRef idx="1">
+              <a:schemeClr val="accent1"/>
+            </a:lnRef>
+            <a:fillRef idx="3">
+              <a:schemeClr val="accent1"/>
+            </a:fillRef>
+            <a:effectRef idx="2">
+              <a:schemeClr val="accent1"/>
+            </a:effectRef>
+            <a:fontRef idx="minor">
+              <a:schemeClr val="lt1"/>
+            </a:fontRef>
+          </p:style>
+          <p:txBody>
+            <a:bodyPr rtlCol="0" anchor="ctr"/>
+            <a:lstStyle/>
+            <a:p>
+              <a:pPr algn="ctr"/>
+              <a:r>
+                <a:rPr lang="en-GB" sz="900" dirty="0" err="1" smtClean="0"/>
+                <a:t>motionSensor</a:t>
+              </a:r>
+              <a:endParaRPr lang="en-GB" sz="900" dirty="0"/>
+            </a:p>
+          </p:txBody>
+        </p:sp>
+        <p:sp>
+          <p:nvSpPr>
+            <p:cNvPr id="8" name="Hexagon 7"/>
+            <p:cNvSpPr/>
+            <p:nvPr/>
+          </p:nvSpPr>
+          <p:spPr>
+            <a:xfrm>
+              <a:off x="5250561" y="2204663"/>
+              <a:ext cx="713828" cy="572337"/>
+            </a:xfrm>
+            <a:prstGeom prst="hexagon">
+              <a:avLst/>
+            </a:prstGeom>
+            <a:gradFill flip="none" rotWithShape="1">
+              <a:gsLst>
+                <a:gs pos="0">
+                  <a:schemeClr val="accent1">
+                    <a:lumMod val="67000"/>
+                  </a:schemeClr>
+                </a:gs>
+                <a:gs pos="48000">
+                  <a:schemeClr val="accent1">
+                    <a:lumMod val="97000"/>
+                    <a:lumOff val="3000"/>
+                  </a:schemeClr>
+                </a:gs>
+                <a:gs pos="100000">
+                  <a:schemeClr val="accent1">
+                    <a:lumMod val="60000"/>
+                    <a:lumOff val="40000"/>
+                  </a:schemeClr>
+                </a:gs>
+              </a:gsLst>
+              <a:lin ang="16200000" scaled="1"/>
+              <a:tileRect/>
+            </a:gradFill>
+          </p:spPr>
+          <p:style>
+            <a:lnRef idx="1">
+              <a:schemeClr val="accent1"/>
+            </a:lnRef>
+            <a:fillRef idx="3">
+              <a:schemeClr val="accent1"/>
+            </a:fillRef>
+            <a:effectRef idx="2">
+              <a:schemeClr val="accent1"/>
+            </a:effectRef>
+            <a:fontRef idx="minor">
+              <a:schemeClr val="lt1"/>
+            </a:fontRef>
+          </p:style>
+          <p:txBody>
+            <a:bodyPr rtlCol="0" anchor="ctr"/>
+            <a:lstStyle/>
+            <a:p>
+              <a:pPr algn="ctr"/>
+              <a:r>
+                <a:rPr lang="en-GB" sz="900" dirty="0" smtClean="0"/>
+                <a:t>sensor</a:t>
+              </a:r>
+              <a:endParaRPr lang="en-GB" sz="900" dirty="0"/>
+            </a:p>
+          </p:txBody>
+        </p:sp>
+        <p:cxnSp>
+          <p:nvCxnSpPr>
+            <p:cNvPr id="9" name="Straight Arrow Connector 8"/>
+            <p:cNvCxnSpPr/>
+            <p:nvPr/>
+          </p:nvCxnSpPr>
+          <p:spPr>
+            <a:xfrm>
+              <a:off x="5597828" y="2777000"/>
+              <a:ext cx="0" cy="356082"/>
+            </a:xfrm>
+            <a:prstGeom prst="straightConnector1">
+              <a:avLst/>
+            </a:prstGeom>
+            <a:ln>
+              <a:tailEnd type="triangle"/>
+            </a:ln>
+          </p:spPr>
+          <p:style>
+            <a:lnRef idx="2">
+              <a:schemeClr val="accent1"/>
+            </a:lnRef>
+            <a:fillRef idx="0">
+              <a:schemeClr val="accent1"/>
+            </a:fillRef>
+            <a:effectRef idx="1">
+              <a:schemeClr val="accent1"/>
+            </a:effectRef>
+            <a:fontRef idx="minor">
+              <a:schemeClr val="tx1"/>
+            </a:fontRef>
+          </p:style>
+        </p:cxnSp>
+        <p:sp>
+          <p:nvSpPr>
+            <p:cNvPr id="10" name="TextBox 9"/>
+            <p:cNvSpPr txBox="1"/>
+            <p:nvPr/>
+          </p:nvSpPr>
+          <p:spPr>
+            <a:xfrm>
+              <a:off x="5586252" y="2782873"/>
+              <a:ext cx="579005" cy="230832"/>
+            </a:xfrm>
+            <a:prstGeom prst="rect">
+              <a:avLst/>
+            </a:prstGeom>
+            <a:noFill/>
+          </p:spPr>
+          <p:txBody>
+            <a:bodyPr wrap="none" rtlCol="0">
+              <a:spAutoFit/>
+            </a:bodyPr>
+            <a:lstStyle/>
+            <a:p>
+              <a:r>
+                <a:rPr lang="en-GB" sz="900" dirty="0" smtClean="0"/>
+                <a:t>Subclass</a:t>
+              </a:r>
+              <a:endParaRPr lang="en-GB" sz="900" dirty="0"/>
+            </a:p>
+          </p:txBody>
+        </p:sp>
+        <p:sp>
+          <p:nvSpPr>
+            <p:cNvPr id="11" name="Rectangle 10"/>
+            <p:cNvSpPr/>
+            <p:nvPr/>
+          </p:nvSpPr>
+          <p:spPr>
+            <a:xfrm>
+              <a:off x="4455704" y="4352192"/>
+              <a:ext cx="563345" cy="415071"/>
+            </a:xfrm>
+            <a:prstGeom prst="rect">
+              <a:avLst/>
+            </a:prstGeom>
+          </p:spPr>
+          <p:style>
+            <a:lnRef idx="1">
+              <a:schemeClr val="accent1"/>
+            </a:lnRef>
+            <a:fillRef idx="3">
+              <a:schemeClr val="accent1"/>
+            </a:fillRef>
+            <a:effectRef idx="2">
+              <a:schemeClr val="accent1"/>
+            </a:effectRef>
+            <a:fontRef idx="minor">
+              <a:schemeClr val="lt1"/>
+            </a:fontRef>
+          </p:style>
+          <p:txBody>
+            <a:bodyPr rtlCol="0" anchor="ctr"/>
+            <a:lstStyle/>
+            <a:p>
+              <a:pPr algn="ctr"/>
+              <a:r>
+                <a:rPr lang="en-GB" sz="900" dirty="0" smtClean="0"/>
+                <a:t>value</a:t>
+              </a:r>
+              <a:endParaRPr lang="en-GB" sz="900" dirty="0"/>
+            </a:p>
+          </p:txBody>
+        </p:sp>
+        <p:sp>
+          <p:nvSpPr>
+            <p:cNvPr id="12" name="Rectangle 11"/>
+            <p:cNvSpPr/>
+            <p:nvPr/>
+          </p:nvSpPr>
+          <p:spPr>
+            <a:xfrm>
+              <a:off x="5124515" y="4352192"/>
+              <a:ext cx="754985" cy="415071"/>
+            </a:xfrm>
+            <a:prstGeom prst="rect">
+              <a:avLst/>
+            </a:prstGeom>
+          </p:spPr>
+          <p:style>
+            <a:lnRef idx="1">
+              <a:schemeClr val="accent1"/>
+            </a:lnRef>
+            <a:fillRef idx="3">
+              <a:schemeClr val="accent1"/>
+            </a:fillRef>
+            <a:effectRef idx="2">
+              <a:schemeClr val="accent1"/>
+            </a:effectRef>
+            <a:fontRef idx="minor">
+              <a:schemeClr val="lt1"/>
+            </a:fontRef>
+          </p:style>
+          <p:txBody>
+            <a:bodyPr rtlCol="0" anchor="ctr"/>
+            <a:lstStyle/>
+            <a:p>
+              <a:pPr algn="ctr"/>
+              <a:r>
+                <a:rPr lang="en-GB" sz="900" smtClean="0"/>
+                <a:t>minInterval</a:t>
+              </a:r>
+              <a:endParaRPr lang="en-GB" sz="900" dirty="0"/>
+            </a:p>
+          </p:txBody>
+        </p:sp>
+        <p:sp>
+          <p:nvSpPr>
+            <p:cNvPr id="13" name="Rectangle 12"/>
+            <p:cNvSpPr/>
+            <p:nvPr/>
+          </p:nvSpPr>
+          <p:spPr>
+            <a:xfrm>
+              <a:off x="5975963" y="4352192"/>
+              <a:ext cx="717686" cy="415071"/>
+            </a:xfrm>
+            <a:prstGeom prst="rect">
+              <a:avLst/>
+            </a:prstGeom>
+          </p:spPr>
+          <p:style>
+            <a:lnRef idx="1">
+              <a:schemeClr val="accent1"/>
+            </a:lnRef>
+            <a:fillRef idx="3">
+              <a:schemeClr val="accent1"/>
+            </a:fillRef>
+            <a:effectRef idx="2">
+              <a:schemeClr val="accent1"/>
+            </a:effectRef>
+            <a:fontRef idx="minor">
+              <a:schemeClr val="lt1"/>
+            </a:fontRef>
+          </p:style>
+          <p:txBody>
+            <a:bodyPr rtlCol="0" anchor="ctr"/>
+            <a:lstStyle/>
+            <a:p>
+              <a:pPr algn="ctr"/>
+              <a:r>
+                <a:rPr lang="en-GB" sz="900" smtClean="0"/>
+                <a:t>sensitivity</a:t>
+              </a:r>
+              <a:endParaRPr lang="en-GB" sz="900" dirty="0"/>
+            </a:p>
+          </p:txBody>
+        </p:sp>
+        <p:cxnSp>
+          <p:nvCxnSpPr>
+            <p:cNvPr id="14" name="Straight Arrow Connector 13"/>
+            <p:cNvCxnSpPr/>
+            <p:nvPr/>
+          </p:nvCxnSpPr>
+          <p:spPr>
+            <a:xfrm flipH="1">
+              <a:off x="4826123" y="3954708"/>
+              <a:ext cx="771705" cy="397483"/>
+            </a:xfrm>
+            <a:prstGeom prst="straightConnector1">
+              <a:avLst/>
+            </a:prstGeom>
+            <a:ln>
+              <a:tailEnd type="triangle"/>
+            </a:ln>
+          </p:spPr>
+          <p:style>
+            <a:lnRef idx="2">
+              <a:schemeClr val="accent1"/>
+            </a:lnRef>
+            <a:fillRef idx="0">
+              <a:schemeClr val="accent1"/>
+            </a:fillRef>
+            <a:effectRef idx="1">
+              <a:schemeClr val="accent1"/>
+            </a:effectRef>
+            <a:fontRef idx="minor">
+              <a:schemeClr val="tx1"/>
+            </a:fontRef>
+          </p:style>
+        </p:cxnSp>
+        <p:cxnSp>
+          <p:nvCxnSpPr>
+            <p:cNvPr id="15" name="Straight Arrow Connector 14"/>
+            <p:cNvCxnSpPr/>
+            <p:nvPr/>
+          </p:nvCxnSpPr>
+          <p:spPr>
+            <a:xfrm flipH="1">
+              <a:off x="5664379" y="3954708"/>
+              <a:ext cx="95820" cy="397483"/>
+            </a:xfrm>
+            <a:prstGeom prst="straightConnector1">
+              <a:avLst/>
+            </a:prstGeom>
+            <a:ln>
+              <a:tailEnd type="triangle"/>
+            </a:ln>
+          </p:spPr>
+          <p:style>
+            <a:lnRef idx="2">
+              <a:schemeClr val="accent1"/>
+            </a:lnRef>
+            <a:fillRef idx="0">
+              <a:schemeClr val="accent1"/>
+            </a:fillRef>
+            <a:effectRef idx="1">
+              <a:schemeClr val="accent1"/>
+            </a:effectRef>
+            <a:fontRef idx="minor">
+              <a:schemeClr val="tx1"/>
+            </a:fontRef>
+          </p:style>
+        </p:cxnSp>
+        <p:cxnSp>
+          <p:nvCxnSpPr>
+            <p:cNvPr id="16" name="Straight Arrow Connector 15"/>
+            <p:cNvCxnSpPr/>
+            <p:nvPr/>
+          </p:nvCxnSpPr>
+          <p:spPr>
+            <a:xfrm>
+              <a:off x="5760199" y="3954708"/>
+              <a:ext cx="736979" cy="397483"/>
+            </a:xfrm>
+            <a:prstGeom prst="straightConnector1">
+              <a:avLst/>
+            </a:prstGeom>
+            <a:ln>
+              <a:tailEnd type="triangle"/>
+            </a:ln>
+          </p:spPr>
+          <p:style>
+            <a:lnRef idx="2">
+              <a:schemeClr val="accent1"/>
+            </a:lnRef>
+            <a:fillRef idx="0">
+              <a:schemeClr val="accent1"/>
+            </a:fillRef>
+            <a:effectRef idx="1">
+              <a:schemeClr val="accent1"/>
+            </a:effectRef>
+            <a:fontRef idx="minor">
+              <a:schemeClr val="tx1"/>
+            </a:fontRef>
+          </p:style>
+        </p:cxnSp>
+        <p:sp>
+          <p:nvSpPr>
+            <p:cNvPr id="17" name="TextBox 16"/>
+            <p:cNvSpPr txBox="1"/>
+            <p:nvPr/>
+          </p:nvSpPr>
+          <p:spPr>
+            <a:xfrm>
+              <a:off x="6028412" y="3934232"/>
+              <a:ext cx="659155" cy="230832"/>
+            </a:xfrm>
+            <a:prstGeom prst="rect">
+              <a:avLst/>
+            </a:prstGeom>
+            <a:noFill/>
+          </p:spPr>
+          <p:txBody>
+            <a:bodyPr wrap="none" rtlCol="0">
+              <a:spAutoFit/>
+            </a:bodyPr>
+            <a:lstStyle/>
+            <a:p>
+              <a:r>
+                <a:rPr lang="en-GB" sz="900" dirty="0" smtClean="0"/>
+                <a:t>Attributes</a:t>
+              </a:r>
+              <a:endParaRPr lang="en-GB" sz="900" dirty="0"/>
+            </a:p>
+          </p:txBody>
+        </p:sp>
+        <p:cxnSp>
+          <p:nvCxnSpPr>
+            <p:cNvPr id="18" name="Curved Connector 17"/>
+            <p:cNvCxnSpPr/>
+            <p:nvPr/>
+          </p:nvCxnSpPr>
+          <p:spPr>
+            <a:xfrm>
+              <a:off x="3759917" y="2928454"/>
+              <a:ext cx="1165358" cy="306914"/>
+            </a:xfrm>
+            <a:prstGeom prst="curvedConnector3">
+              <a:avLst/>
+            </a:prstGeom>
+            <a:ln>
+              <a:solidFill>
+                <a:srgbClr val="FF0000"/>
+              </a:solidFill>
+              <a:tailEnd type="triangle" w="lg" len="lg"/>
+            </a:ln>
+          </p:spPr>
+          <p:style>
+            <a:lnRef idx="2">
+              <a:schemeClr val="accent1"/>
+            </a:lnRef>
+            <a:fillRef idx="0">
+              <a:schemeClr val="accent1"/>
+            </a:fillRef>
+            <a:effectRef idx="1">
+              <a:schemeClr val="accent1"/>
+            </a:effectRef>
+            <a:fontRef idx="minor">
+              <a:schemeClr val="tx1"/>
+            </a:fontRef>
+          </p:style>
+        </p:cxnSp>
+        <p:sp>
+          <p:nvSpPr>
+            <p:cNvPr id="19" name="TextBox 18"/>
+            <p:cNvSpPr txBox="1"/>
+            <p:nvPr/>
+          </p:nvSpPr>
+          <p:spPr>
+            <a:xfrm>
+              <a:off x="3969202" y="2347642"/>
+              <a:ext cx="697070" cy="230832"/>
+            </a:xfrm>
+            <a:prstGeom prst="rect">
+              <a:avLst/>
+            </a:prstGeom>
+            <a:noFill/>
+          </p:spPr>
+          <p:txBody>
+            <a:bodyPr wrap="square" rtlCol="0">
+              <a:spAutoFit/>
+            </a:bodyPr>
+            <a:lstStyle/>
+            <a:p>
+              <a:pPr algn="ctr"/>
+              <a:r>
+                <a:rPr lang="en-GB" sz="900" dirty="0" smtClean="0"/>
+                <a:t>Mapping</a:t>
+              </a:r>
+              <a:endParaRPr lang="en-GB" sz="900" dirty="0"/>
+            </a:p>
+          </p:txBody>
+        </p:sp>
+        <p:sp>
+          <p:nvSpPr>
+            <p:cNvPr id="20" name="TextBox 19"/>
+            <p:cNvSpPr txBox="1"/>
+            <p:nvPr/>
+          </p:nvSpPr>
+          <p:spPr>
+            <a:xfrm>
+              <a:off x="2412204" y="1769273"/>
+              <a:ext cx="1379060" cy="230832"/>
+            </a:xfrm>
+            <a:prstGeom prst="rect">
+              <a:avLst/>
+            </a:prstGeom>
+            <a:solidFill>
+              <a:schemeClr val="bg2"/>
+            </a:solidFill>
+          </p:spPr>
+          <p:txBody>
+            <a:bodyPr wrap="square" rtlCol="0">
+              <a:spAutoFit/>
+            </a:bodyPr>
+            <a:lstStyle/>
+            <a:p>
+              <a:pPr algn="ctr"/>
+              <a:r>
+                <a:rPr lang="en-GB" sz="900" dirty="0" smtClean="0"/>
+                <a:t>Interaction Model</a:t>
+              </a:r>
+              <a:endParaRPr lang="en-GB" sz="900" dirty="0"/>
+            </a:p>
+          </p:txBody>
+        </p:sp>
+        <p:sp>
+          <p:nvSpPr>
+            <p:cNvPr id="21" name="TextBox 20"/>
+            <p:cNvSpPr txBox="1"/>
+            <p:nvPr/>
+          </p:nvSpPr>
+          <p:spPr>
+            <a:xfrm>
+              <a:off x="5078698" y="1734300"/>
+              <a:ext cx="1057553" cy="230832"/>
+            </a:xfrm>
+            <a:prstGeom prst="rect">
+              <a:avLst/>
+            </a:prstGeom>
+            <a:solidFill>
+              <a:schemeClr val="bg2"/>
+            </a:solidFill>
+          </p:spPr>
+          <p:txBody>
+            <a:bodyPr wrap="square" rtlCol="0">
+              <a:spAutoFit/>
+            </a:bodyPr>
+            <a:lstStyle/>
+            <a:p>
+              <a:pPr algn="ctr"/>
+              <a:r>
+                <a:rPr lang="en-GB" sz="900" dirty="0" smtClean="0"/>
+                <a:t>Semantic Model</a:t>
+              </a:r>
+              <a:endParaRPr lang="en-GB" sz="900" dirty="0"/>
+            </a:p>
+          </p:txBody>
+        </p:sp>
+        <p:sp>
+          <p:nvSpPr>
+            <p:cNvPr id="23" name="Oval 22"/>
+            <p:cNvSpPr/>
+            <p:nvPr/>
+          </p:nvSpPr>
+          <p:spPr>
+            <a:xfrm>
+              <a:off x="2460114" y="3345229"/>
+              <a:ext cx="1462174" cy="590190"/>
+            </a:xfrm>
+            <a:prstGeom prst="ellipse">
+              <a:avLst/>
+            </a:prstGeom>
+            <a:gradFill flip="none" rotWithShape="1">
+              <a:gsLst>
+                <a:gs pos="0">
+                  <a:schemeClr val="accent2">
+                    <a:lumMod val="67000"/>
+                  </a:schemeClr>
+                </a:gs>
+                <a:gs pos="48000">
+                  <a:schemeClr val="accent2">
+                    <a:lumMod val="97000"/>
+                    <a:lumOff val="3000"/>
+                  </a:schemeClr>
+                </a:gs>
+                <a:gs pos="100000">
+                  <a:schemeClr val="accent2">
+                    <a:lumMod val="60000"/>
+                    <a:lumOff val="40000"/>
+                  </a:schemeClr>
+                </a:gs>
+              </a:gsLst>
+              <a:lin ang="16200000" scaled="1"/>
+              <a:tileRect/>
+            </a:gradFill>
+          </p:spPr>
+          <p:style>
+            <a:lnRef idx="1">
+              <a:schemeClr val="accent1"/>
+            </a:lnRef>
+            <a:fillRef idx="3">
+              <a:schemeClr val="accent1"/>
+            </a:fillRef>
+            <a:effectRef idx="2">
+              <a:schemeClr val="accent1"/>
+            </a:effectRef>
+            <a:fontRef idx="minor">
+              <a:schemeClr val="lt1"/>
+            </a:fontRef>
+          </p:style>
+          <p:txBody>
+            <a:bodyPr rtlCol="0" anchor="ctr"/>
+            <a:lstStyle/>
+            <a:p>
+              <a:pPr algn="ctr"/>
+              <a:r>
+                <a:rPr lang="en-GB" sz="900" dirty="0" smtClean="0"/>
+                <a:t>Sensor123</a:t>
+              </a:r>
+              <a:endParaRPr lang="en-GB" sz="900" dirty="0"/>
+            </a:p>
+          </p:txBody>
+        </p:sp>
+        <p:sp>
+          <p:nvSpPr>
+            <p:cNvPr id="24" name="Rounded Rectangle 23"/>
+            <p:cNvSpPr/>
+            <p:nvPr/>
+          </p:nvSpPr>
+          <p:spPr>
+            <a:xfrm>
+              <a:off x="2206490" y="4398292"/>
+              <a:ext cx="536335" cy="327688"/>
+            </a:xfrm>
+            <a:prstGeom prst="roundRect">
+              <a:avLst/>
+            </a:prstGeom>
+            <a:gradFill flip="none" rotWithShape="1">
+              <a:gsLst>
+                <a:gs pos="0">
+                  <a:schemeClr val="accent5">
+                    <a:lumMod val="67000"/>
+                  </a:schemeClr>
+                </a:gs>
+                <a:gs pos="48000">
+                  <a:schemeClr val="accent5">
+                    <a:lumMod val="97000"/>
+                    <a:lumOff val="3000"/>
+                  </a:schemeClr>
+                </a:gs>
+                <a:gs pos="100000">
+                  <a:schemeClr val="accent5">
+                    <a:lumMod val="60000"/>
+                    <a:lumOff val="40000"/>
+                  </a:schemeClr>
+                </a:gs>
+              </a:gsLst>
+              <a:lin ang="16200000" scaled="1"/>
+              <a:tileRect/>
+            </a:gradFill>
+          </p:spPr>
+          <p:style>
+            <a:lnRef idx="1">
+              <a:schemeClr val="accent1"/>
+            </a:lnRef>
+            <a:fillRef idx="3">
+              <a:schemeClr val="accent1"/>
+            </a:fillRef>
+            <a:effectRef idx="2">
+              <a:schemeClr val="accent1"/>
+            </a:effectRef>
+            <a:fontRef idx="minor">
+              <a:schemeClr val="lt1"/>
+            </a:fontRef>
+          </p:style>
+          <p:txBody>
+            <a:bodyPr rtlCol="0" anchor="ctr"/>
+            <a:lstStyle/>
+            <a:p>
+              <a:pPr algn="ctr"/>
+              <a:r>
+                <a:rPr lang="en-GB" sz="900" smtClean="0"/>
+                <a:t>alarm</a:t>
+              </a:r>
+              <a:endParaRPr lang="en-GB" sz="900"/>
+            </a:p>
+          </p:txBody>
+        </p:sp>
+        <p:sp>
+          <p:nvSpPr>
+            <p:cNvPr id="25" name="Rounded Rectangle 24"/>
+            <p:cNvSpPr/>
+            <p:nvPr/>
+          </p:nvSpPr>
+          <p:spPr>
+            <a:xfrm>
+              <a:off x="2807418" y="4398292"/>
+              <a:ext cx="717316" cy="327688"/>
+            </a:xfrm>
+            <a:prstGeom prst="roundRect">
+              <a:avLst/>
+            </a:prstGeom>
+            <a:gradFill flip="none" rotWithShape="1">
+              <a:gsLst>
+                <a:gs pos="0">
+                  <a:schemeClr val="accent5">
+                    <a:lumMod val="67000"/>
+                  </a:schemeClr>
+                </a:gs>
+                <a:gs pos="48000">
+                  <a:schemeClr val="accent5">
+                    <a:lumMod val="97000"/>
+                    <a:lumOff val="3000"/>
+                  </a:schemeClr>
+                </a:gs>
+                <a:gs pos="100000">
+                  <a:schemeClr val="accent5">
+                    <a:lumMod val="60000"/>
+                    <a:lumOff val="40000"/>
+                  </a:schemeClr>
+                </a:gs>
+              </a:gsLst>
+              <a:lin ang="16200000" scaled="1"/>
+              <a:tileRect/>
+            </a:gradFill>
+          </p:spPr>
+          <p:style>
+            <a:lnRef idx="1">
+              <a:schemeClr val="accent1"/>
+            </a:lnRef>
+            <a:fillRef idx="3">
+              <a:schemeClr val="accent1"/>
+            </a:fillRef>
+            <a:effectRef idx="2">
+              <a:schemeClr val="accent1"/>
+            </a:effectRef>
+            <a:fontRef idx="minor">
+              <a:schemeClr val="lt1"/>
+            </a:fontRef>
+          </p:style>
+          <p:txBody>
+            <a:bodyPr rtlCol="0" anchor="ctr"/>
+            <a:lstStyle/>
+            <a:p>
+              <a:pPr algn="ctr"/>
+              <a:r>
+                <a:rPr lang="en-GB" sz="900" smtClean="0"/>
+                <a:t>silentTime</a:t>
+              </a:r>
+              <a:endParaRPr lang="en-GB" sz="900" dirty="0"/>
+            </a:p>
+          </p:txBody>
+        </p:sp>
+        <p:sp>
+          <p:nvSpPr>
+            <p:cNvPr id="26" name="Rounded Rectangle 25"/>
+            <p:cNvSpPr/>
+            <p:nvPr/>
+          </p:nvSpPr>
+          <p:spPr>
+            <a:xfrm>
+              <a:off x="3565977" y="4398292"/>
+              <a:ext cx="689390" cy="327688"/>
+            </a:xfrm>
+            <a:prstGeom prst="roundRect">
+              <a:avLst/>
+            </a:prstGeom>
+            <a:gradFill flip="none" rotWithShape="1">
+              <a:gsLst>
+                <a:gs pos="0">
+                  <a:schemeClr val="accent5">
+                    <a:lumMod val="67000"/>
+                  </a:schemeClr>
+                </a:gs>
+                <a:gs pos="48000">
+                  <a:schemeClr val="accent5">
+                    <a:lumMod val="97000"/>
+                    <a:lumOff val="3000"/>
+                  </a:schemeClr>
+                </a:gs>
+                <a:gs pos="100000">
+                  <a:schemeClr val="accent5">
+                    <a:lumMod val="60000"/>
+                    <a:lumOff val="40000"/>
+                  </a:schemeClr>
+                </a:gs>
+              </a:gsLst>
+              <a:lin ang="16200000" scaled="1"/>
+              <a:tileRect/>
+            </a:gradFill>
+          </p:spPr>
+          <p:style>
+            <a:lnRef idx="1">
+              <a:schemeClr val="accent1"/>
+            </a:lnRef>
+            <a:fillRef idx="3">
+              <a:schemeClr val="accent1"/>
+            </a:fillRef>
+            <a:effectRef idx="2">
+              <a:schemeClr val="accent1"/>
+            </a:effectRef>
+            <a:fontRef idx="minor">
+              <a:schemeClr val="lt1"/>
+            </a:fontRef>
+          </p:style>
+          <p:txBody>
+            <a:bodyPr rtlCol="0" anchor="ctr"/>
+            <a:lstStyle/>
+            <a:p>
+              <a:pPr algn="ctr"/>
+              <a:r>
+                <a:rPr lang="en-GB" sz="900" dirty="0" smtClean="0"/>
+                <a:t>sensitivity</a:t>
+              </a:r>
+              <a:endParaRPr lang="en-GB" sz="900" dirty="0"/>
+            </a:p>
+          </p:txBody>
+        </p:sp>
+        <p:cxnSp>
+          <p:nvCxnSpPr>
+            <p:cNvPr id="27" name="Straight Arrow Connector 26"/>
+            <p:cNvCxnSpPr/>
+            <p:nvPr/>
+          </p:nvCxnSpPr>
+          <p:spPr>
+            <a:xfrm flipH="1">
+              <a:off x="2580767" y="3935418"/>
+              <a:ext cx="610434" cy="462873"/>
+            </a:xfrm>
+            <a:prstGeom prst="straightConnector1">
+              <a:avLst/>
+            </a:prstGeom>
+            <a:ln>
+              <a:tailEnd type="triangle"/>
+            </a:ln>
+          </p:spPr>
+          <p:style>
+            <a:lnRef idx="2">
+              <a:schemeClr val="accent1"/>
+            </a:lnRef>
+            <a:fillRef idx="0">
+              <a:schemeClr val="accent1"/>
+            </a:fillRef>
+            <a:effectRef idx="1">
+              <a:schemeClr val="accent1"/>
+            </a:effectRef>
+            <a:fontRef idx="minor">
+              <a:schemeClr val="tx1"/>
+            </a:fontRef>
+          </p:style>
+        </p:cxnSp>
+        <p:cxnSp>
+          <p:nvCxnSpPr>
+            <p:cNvPr id="28" name="Straight Arrow Connector 27"/>
+            <p:cNvCxnSpPr/>
+            <p:nvPr/>
+          </p:nvCxnSpPr>
+          <p:spPr>
+            <a:xfrm>
+              <a:off x="3191201" y="3935418"/>
+              <a:ext cx="0" cy="462873"/>
+            </a:xfrm>
+            <a:prstGeom prst="straightConnector1">
+              <a:avLst/>
+            </a:prstGeom>
+            <a:ln>
+              <a:tailEnd type="triangle"/>
+            </a:ln>
+          </p:spPr>
+          <p:style>
+            <a:lnRef idx="2">
+              <a:schemeClr val="accent1"/>
+            </a:lnRef>
+            <a:fillRef idx="0">
+              <a:schemeClr val="accent1"/>
+            </a:fillRef>
+            <a:effectRef idx="1">
+              <a:schemeClr val="accent1"/>
+            </a:effectRef>
+            <a:fontRef idx="minor">
+              <a:schemeClr val="tx1"/>
+            </a:fontRef>
+          </p:style>
+        </p:cxnSp>
+        <p:cxnSp>
+          <p:nvCxnSpPr>
+            <p:cNvPr id="29" name="Straight Arrow Connector 28"/>
+            <p:cNvCxnSpPr/>
+            <p:nvPr/>
+          </p:nvCxnSpPr>
+          <p:spPr>
+            <a:xfrm>
+              <a:off x="3191201" y="3935418"/>
+              <a:ext cx="719471" cy="462873"/>
+            </a:xfrm>
+            <a:prstGeom prst="straightConnector1">
+              <a:avLst/>
+            </a:prstGeom>
+            <a:ln>
+              <a:tailEnd type="triangle"/>
+            </a:ln>
+          </p:spPr>
+          <p:style>
+            <a:lnRef idx="2">
+              <a:schemeClr val="accent1"/>
+            </a:lnRef>
+            <a:fillRef idx="0">
+              <a:schemeClr val="accent1"/>
+            </a:fillRef>
+            <a:effectRef idx="1">
+              <a:schemeClr val="accent1"/>
+            </a:effectRef>
+            <a:fontRef idx="minor">
+              <a:schemeClr val="tx1"/>
+            </a:fontRef>
+          </p:style>
+        </p:cxnSp>
+        <p:sp>
+          <p:nvSpPr>
+            <p:cNvPr id="30" name="TextBox 29"/>
+            <p:cNvSpPr txBox="1"/>
+            <p:nvPr/>
+          </p:nvSpPr>
+          <p:spPr>
+            <a:xfrm>
+              <a:off x="2085174" y="3935417"/>
+              <a:ext cx="671979" cy="230832"/>
+            </a:xfrm>
+            <a:prstGeom prst="rect">
+              <a:avLst/>
+            </a:prstGeom>
+            <a:noFill/>
+          </p:spPr>
+          <p:txBody>
+            <a:bodyPr wrap="none" rtlCol="0">
+              <a:spAutoFit/>
+            </a:bodyPr>
+            <a:lstStyle/>
+            <a:p>
+              <a:r>
+                <a:rPr lang="en-GB" sz="900" smtClean="0"/>
+                <a:t>Properties</a:t>
+              </a:r>
+              <a:endParaRPr lang="en-GB" sz="900" dirty="0"/>
+            </a:p>
+          </p:txBody>
+        </p:sp>
+        <p:sp>
+          <p:nvSpPr>
+            <p:cNvPr id="31" name="Oval 30"/>
+            <p:cNvSpPr/>
+            <p:nvPr/>
+          </p:nvSpPr>
+          <p:spPr>
+            <a:xfrm>
+              <a:off x="2712230" y="2449221"/>
+              <a:ext cx="957942" cy="590190"/>
+            </a:xfrm>
+            <a:prstGeom prst="ellipse">
+              <a:avLst/>
+            </a:prstGeom>
+            <a:gradFill flip="none" rotWithShape="1">
+              <a:gsLst>
+                <a:gs pos="0">
+                  <a:schemeClr val="accent6">
+                    <a:lumMod val="67000"/>
+                  </a:schemeClr>
+                </a:gs>
+                <a:gs pos="48000">
+                  <a:schemeClr val="accent6">
+                    <a:lumMod val="97000"/>
+                    <a:lumOff val="3000"/>
+                  </a:schemeClr>
+                </a:gs>
+                <a:gs pos="100000">
+                  <a:schemeClr val="accent6">
+                    <a:lumMod val="60000"/>
+                    <a:lumOff val="40000"/>
+                  </a:schemeClr>
+                </a:gs>
+              </a:gsLst>
+              <a:lin ang="16200000" scaled="1"/>
+              <a:tileRect/>
+            </a:gradFill>
+          </p:spPr>
+          <p:style>
+            <a:lnRef idx="1">
+              <a:schemeClr val="accent1"/>
+            </a:lnRef>
+            <a:fillRef idx="3">
+              <a:schemeClr val="accent1"/>
+            </a:fillRef>
+            <a:effectRef idx="2">
+              <a:schemeClr val="accent1"/>
+            </a:effectRef>
+            <a:fontRef idx="minor">
+              <a:schemeClr val="lt1"/>
+            </a:fontRef>
+          </p:style>
+          <p:txBody>
+            <a:bodyPr rtlCol="0" anchor="ctr"/>
+            <a:lstStyle/>
+            <a:p>
+              <a:pPr algn="ctr"/>
+              <a:r>
+                <a:rPr lang="en-GB" sz="900" dirty="0" smtClean="0"/>
+                <a:t>Thing</a:t>
+              </a:r>
+              <a:endParaRPr lang="en-GB" sz="900" dirty="0"/>
+            </a:p>
+          </p:txBody>
+        </p:sp>
+        <p:cxnSp>
+          <p:nvCxnSpPr>
+            <p:cNvPr id="32" name="Straight Arrow Connector 31"/>
+            <p:cNvCxnSpPr/>
+            <p:nvPr/>
+          </p:nvCxnSpPr>
+          <p:spPr>
+            <a:xfrm>
+              <a:off x="3191201" y="3039411"/>
+              <a:ext cx="0" cy="305818"/>
+            </a:xfrm>
+            <a:prstGeom prst="straightConnector1">
+              <a:avLst/>
+            </a:prstGeom>
+            <a:ln>
+              <a:tailEnd type="triangle"/>
+            </a:ln>
+          </p:spPr>
+          <p:style>
+            <a:lnRef idx="2">
+              <a:schemeClr val="accent1"/>
+            </a:lnRef>
+            <a:fillRef idx="0">
+              <a:schemeClr val="accent1"/>
+            </a:fillRef>
+            <a:effectRef idx="1">
+              <a:schemeClr val="accent1"/>
+            </a:effectRef>
+            <a:fontRef idx="minor">
+              <a:schemeClr val="tx1"/>
+            </a:fontRef>
+          </p:style>
+        </p:cxnSp>
+        <p:sp>
+          <p:nvSpPr>
+            <p:cNvPr id="33" name="TextBox 32"/>
+            <p:cNvSpPr txBox="1"/>
+            <p:nvPr/>
+          </p:nvSpPr>
+          <p:spPr>
+            <a:xfrm>
+              <a:off x="2331317" y="3019391"/>
+              <a:ext cx="579005" cy="230832"/>
+            </a:xfrm>
+            <a:prstGeom prst="rect">
+              <a:avLst/>
+            </a:prstGeom>
+            <a:noFill/>
+          </p:spPr>
+          <p:txBody>
+            <a:bodyPr wrap="none" rtlCol="0">
+              <a:spAutoFit/>
+            </a:bodyPr>
+            <a:lstStyle/>
+            <a:p>
+              <a:r>
+                <a:rPr lang="en-GB" sz="900" dirty="0" smtClean="0"/>
+                <a:t>Instance</a:t>
+              </a:r>
+              <a:endParaRPr lang="en-GB" sz="900" dirty="0"/>
+            </a:p>
+          </p:txBody>
+        </p:sp>
+        <p:sp>
+          <p:nvSpPr>
+            <p:cNvPr id="34" name="TextBox 33"/>
+            <p:cNvSpPr txBox="1"/>
+            <p:nvPr/>
+          </p:nvSpPr>
+          <p:spPr>
+            <a:xfrm>
+              <a:off x="3792505" y="3270833"/>
+              <a:ext cx="981238" cy="507831"/>
+            </a:xfrm>
+            <a:prstGeom prst="rect">
+              <a:avLst/>
+            </a:prstGeom>
+            <a:noFill/>
+          </p:spPr>
+          <p:txBody>
+            <a:bodyPr wrap="square" rtlCol="0">
+              <a:spAutoFit/>
+            </a:bodyPr>
+            <a:lstStyle/>
+            <a:p>
+              <a:pPr algn="ctr"/>
+              <a:r>
+                <a:rPr lang="en-GB" sz="900" dirty="0" smtClean="0">
+                  <a:solidFill>
+                    <a:schemeClr val="accent1">
+                      <a:lumMod val="75000"/>
+                    </a:schemeClr>
+                  </a:solidFill>
+                </a:rPr>
+                <a:t>The mapping may not </a:t>
+              </a:r>
+              <a:r>
+                <a:rPr lang="en-GB" sz="900" smtClean="0">
+                  <a:solidFill>
+                    <a:schemeClr val="accent1">
+                      <a:lumMod val="75000"/>
+                    </a:schemeClr>
+                  </a:solidFill>
+                </a:rPr>
+                <a:t>be isomorphic</a:t>
+              </a:r>
+              <a:endParaRPr lang="en-GB" sz="900">
+                <a:solidFill>
+                  <a:schemeClr val="accent1">
+                    <a:lumMod val="75000"/>
+                  </a:schemeClr>
+                </a:solidFill>
+              </a:endParaRPr>
+            </a:p>
+          </p:txBody>
+        </p:sp>
+      </p:grpSp>
     </p:spTree>
     <p:extLst>
       <p:ext uri="{BB962C8B-B14F-4D97-AF65-F5344CB8AC3E}">
-        <p14:creationId xmlns:p14="http://schemas.microsoft.com/office/powerpoint/2010/main" val="1449071293"/>
+        <p14:creationId xmlns:p14="http://schemas.microsoft.com/office/powerpoint/2010/main" val="119487099"/>
       </p:ext>
     </p:extLst>
   </p:cSld>
   <p:clrMapOvr>
     <a:masterClrMapping/>
   </p:clrMapOvr>
-  <p:timing>
-    <p:tnLst>
-      <p:par>
-        <p:cTn id="1" dur="indefinite" restart="never" nodeType="tmRoot"/>
-      </p:par>
-    </p:tnLst>
-  </p:timing>
 </p:sld>
 </file>
 
@@ -4381,11 +5778,7 @@
           <a:p>
             <a:r>
               <a:rPr lang="en-GB" dirty="0" smtClean="0"/>
-              <a:t>Can </a:t>
-            </a:r>
-            <a:r>
-              <a:rPr lang="en-GB" dirty="0" smtClean="0"/>
-              <a:t>Defaults Help?</a:t>
+              <a:t>Some Comments</a:t>
             </a:r>
             <a:endParaRPr lang="en-GB" dirty="0"/>
           </a:p>
@@ -4404,47 +5797,25 @@
         <p:spPr/>
         <p:txBody>
           <a:bodyPr>
-            <a:normAutofit fontScale="92500" lnSpcReduction="20000"/>
+            <a:normAutofit fontScale="85000" lnSpcReduction="10000"/>
           </a:bodyPr>
           <a:lstStyle/>
           <a:p>
             <a:r>
               <a:rPr lang="en-GB" dirty="0" smtClean="0"/>
-              <a:t>Opportunity to simplify thing descriptions via the use of defaults in the semantic models</a:t>
-            </a:r>
-          </a:p>
-          <a:p>
-            <a:pPr lvl="1"/>
-            <a:r>
-              <a:rPr lang="en-GB" dirty="0" smtClean="0"/>
-              <a:t>Units of measure</a:t>
-            </a:r>
-          </a:p>
-          <a:p>
-            <a:pPr lvl="2"/>
-            <a:r>
-              <a:rPr lang="en-GB" dirty="0" smtClean="0"/>
-              <a:t>Where the same units are used in majority of instances of a particular semantic class</a:t>
-            </a:r>
-          </a:p>
-          <a:p>
-            <a:pPr lvl="1"/>
-            <a:r>
-              <a:rPr lang="en-GB" dirty="0" smtClean="0"/>
-              <a:t>“standard” property names</a:t>
-            </a:r>
-          </a:p>
-          <a:p>
-            <a:pPr lvl="2"/>
-            <a:r>
-              <a:rPr lang="en-GB" dirty="0" smtClean="0"/>
-              <a:t>Using standard name for a property avoids need to explicitly declare its “role” in interaction model</a:t>
-            </a:r>
-          </a:p>
-          <a:p>
-            <a:r>
-              <a:rPr lang="en-GB" dirty="0" smtClean="0"/>
-              <a:t>Inheritance from super classes</a:t>
+              <a:t>If the interaction model is represented in JSON we can use @context to map strings to URIs</a:t>
+            </a:r>
+          </a:p>
+          <a:p>
+            <a:r>
+              <a:rPr lang="en-GB" dirty="0" smtClean="0"/>
+              <a:t>This allows us to translate JSON to RDF</a:t>
+            </a:r>
+          </a:p>
+          <a:p>
+            <a:r>
+              <a:rPr lang="en-GB" dirty="0" smtClean="0"/>
+              <a:t>But interaction model is not same as semantic model, so conflating the two is likely to cause problems</a:t>
             </a:r>
           </a:p>
           <a:p>
@@ -4455,9 +5826,15 @@
             </a:r>
             <a:r>
               <a:rPr lang="en-GB" dirty="0" smtClean="0"/>
-              <a:t>.g. declarations on the generic “sensor” class</a:t>
-            </a:r>
-            <a:endParaRPr lang="en-GB" dirty="0"/>
+              <a:t>.g. when risk of invalid reasoning when mapping several different interaction models to the same semantic model</a:t>
+            </a:r>
+          </a:p>
+          <a:p>
+            <a:pPr lvl="1"/>
+            <a:r>
+              <a:rPr lang="en-GB" dirty="0" smtClean="0"/>
+              <a:t>Thus need for explicit mapping, hence “semantic role”</a:t>
+            </a:r>
           </a:p>
         </p:txBody>
       </p:sp>
@@ -4487,7 +5864,7 @@
     </p:spTree>
     <p:extLst>
       <p:ext uri="{BB962C8B-B14F-4D97-AF65-F5344CB8AC3E}">
-        <p14:creationId xmlns:p14="http://schemas.microsoft.com/office/powerpoint/2010/main" val="1868921522"/>
+        <p14:creationId xmlns:p14="http://schemas.microsoft.com/office/powerpoint/2010/main" val="1449071293"/>
       </p:ext>
     </p:extLst>
   </p:cSld>
@@ -4538,7 +5915,7 @@
           <a:p>
             <a:r>
               <a:rPr lang="en-GB" dirty="0" smtClean="0"/>
-              <a:t>Linked Data Technologies</a:t>
+              <a:t>Can Defaults Help?</a:t>
             </a:r>
             <a:endParaRPr lang="en-GB" dirty="0"/>
           </a:p>
@@ -4557,117 +5934,59 @@
         <p:spPr/>
         <p:txBody>
           <a:bodyPr>
-            <a:normAutofit fontScale="62500" lnSpcReduction="20000"/>
+            <a:normAutofit fontScale="92500" lnSpcReduction="20000"/>
           </a:bodyPr>
           <a:lstStyle/>
           <a:p>
             <a:r>
               <a:rPr lang="en-GB" dirty="0" smtClean="0"/>
-              <a:t>Keeping </a:t>
-            </a:r>
+              <a:t>Opportunity to simplify thing descriptions via the use of defaults in the semantic models</a:t>
+            </a:r>
+          </a:p>
+          <a:p>
+            <a:pPr lvl="1"/>
+            <a:r>
+              <a:rPr lang="en-GB" dirty="0" smtClean="0"/>
+              <a:t>Units of measure</a:t>
+            </a:r>
+          </a:p>
+          <a:p>
+            <a:pPr lvl="2"/>
+            <a:r>
+              <a:rPr lang="en-GB" dirty="0" smtClean="0"/>
+              <a:t>Where the same units are used in majority of instances of a particular semantic class</a:t>
+            </a:r>
+          </a:p>
+          <a:p>
+            <a:pPr lvl="1"/>
+            <a:r>
+              <a:rPr lang="en-GB" dirty="0" smtClean="0"/>
+              <a:t>“standard” property names</a:t>
+            </a:r>
+          </a:p>
+          <a:p>
+            <a:pPr lvl="2"/>
+            <a:r>
+              <a:rPr lang="en-GB" dirty="0" smtClean="0"/>
+              <a:t>Using standard name for a property avoids need to explicitly declare its “role” in interaction model</a:t>
+            </a:r>
+          </a:p>
+          <a:p>
+            <a:r>
+              <a:rPr lang="en-GB" dirty="0" smtClean="0"/>
+              <a:t>Inheritance from super classes</a:t>
+            </a:r>
+          </a:p>
+          <a:p>
+            <a:pPr lvl="1"/>
             <a:r>
               <a:rPr lang="en-GB" dirty="0"/>
-              <a:t>it simple with RDF </a:t>
-            </a:r>
-            <a:r>
-              <a:rPr lang="en-GB" dirty="0" smtClean="0"/>
-              <a:t>Schema together with additional predicates</a:t>
-            </a:r>
-            <a:endParaRPr lang="en-GB" dirty="0"/>
-          </a:p>
-          <a:p>
-            <a:r>
-              <a:rPr lang="en-GB" dirty="0" smtClean="0"/>
-              <a:t>OWL ontologies</a:t>
-            </a:r>
-          </a:p>
-          <a:p>
-            <a:pPr lvl="1"/>
-            <a:r>
-              <a:rPr lang="en-GB" dirty="0" smtClean="0"/>
-              <a:t>Increased sophistication and complexity</a:t>
-            </a:r>
-            <a:endParaRPr lang="en-GB" dirty="0"/>
-          </a:p>
-          <a:p>
-            <a:r>
-              <a:rPr lang="en-GB" dirty="0"/>
-              <a:t>Validation with </a:t>
-            </a:r>
-            <a:r>
-              <a:rPr lang="en-GB" dirty="0" smtClean="0"/>
-              <a:t>Linked Data Shape rules</a:t>
-            </a:r>
-          </a:p>
-          <a:p>
-            <a:pPr lvl="1"/>
-            <a:r>
-              <a:rPr lang="en-GB" dirty="0" smtClean="0"/>
-              <a:t>Potential for simple graphical rules</a:t>
-            </a:r>
-          </a:p>
-          <a:p>
-            <a:pPr lvl="2"/>
-            <a:r>
-              <a:rPr lang="en-GB" dirty="0" smtClean="0"/>
-              <a:t>SHACL, </a:t>
-            </a:r>
-            <a:r>
-              <a:rPr lang="en-GB" dirty="0" err="1" smtClean="0"/>
-              <a:t>ShEx</a:t>
-            </a:r>
-            <a:r>
-              <a:rPr lang="en-GB" dirty="0" smtClean="0"/>
-              <a:t>, SHRL as different flavours of shape rule </a:t>
-            </a:r>
-            <a:r>
-              <a:rPr lang="en-GB" dirty="0" smtClean="0"/>
-              <a:t>languages</a:t>
-            </a:r>
-          </a:p>
-          <a:p>
-            <a:r>
-              <a:rPr lang="en-GB" dirty="0" smtClean="0"/>
-              <a:t>Other tools</a:t>
-            </a:r>
-          </a:p>
-          <a:p>
-            <a:pPr lvl="1"/>
-            <a:r>
-              <a:rPr lang="en-GB" dirty="0" smtClean="0"/>
-              <a:t>Semantic Data annotating tools</a:t>
-            </a:r>
-          </a:p>
-          <a:p>
-            <a:pPr lvl="1"/>
-            <a:r>
-              <a:rPr lang="en-GB" dirty="0" smtClean="0"/>
-              <a:t>Storage and query engines</a:t>
-            </a:r>
-          </a:p>
-          <a:p>
-            <a:pPr lvl="1"/>
-            <a:r>
-              <a:rPr lang="en-GB" dirty="0" smtClean="0"/>
-              <a:t>Reasoners</a:t>
-            </a:r>
-          </a:p>
-          <a:p>
-            <a:pPr lvl="1"/>
-            <a:r>
-              <a:rPr lang="mr-IN" dirty="0" smtClean="0"/>
-              <a:t>…</a:t>
-            </a:r>
-            <a:endParaRPr lang="en-GB" dirty="0" smtClean="0"/>
-          </a:p>
-          <a:p>
-            <a:r>
-              <a:rPr lang="en-GB" dirty="0" smtClean="0"/>
-              <a:t>But we shouldn’t be scared of introducing new approaches where these make obvious sense</a:t>
-            </a:r>
-            <a:endParaRPr lang="en-GB" dirty="0"/>
-          </a:p>
-          <a:p>
+              <a:t>e</a:t>
+            </a:r>
+            <a:r>
+              <a:rPr lang="en-GB" dirty="0" smtClean="0"/>
+              <a:t>.g. declarations on the generic “sensor” class</a:t>
+            </a:r>
             <a:endParaRPr lang="en-GB" dirty="0"/>
           </a:p>
         </p:txBody>
@@ -4698,7 +6017,7 @@
     </p:spTree>
     <p:extLst>
       <p:ext uri="{BB962C8B-B14F-4D97-AF65-F5344CB8AC3E}">
-        <p14:creationId xmlns:p14="http://schemas.microsoft.com/office/powerpoint/2010/main" val="753578766"/>
+        <p14:creationId xmlns:p14="http://schemas.microsoft.com/office/powerpoint/2010/main" val="1868921522"/>
       </p:ext>
     </p:extLst>
   </p:cSld>
@@ -4749,7 +6068,7 @@
           <a:p>
             <a:r>
               <a:rPr lang="en-GB" dirty="0" smtClean="0"/>
-              <a:t>Semantic Models</a:t>
+              <a:t>Linked Data Technologies</a:t>
             </a:r>
             <a:endParaRPr lang="en-GB" dirty="0"/>
           </a:p>
@@ -4768,34 +6087,114 @@
         <p:spPr/>
         <p:txBody>
           <a:bodyPr>
-            <a:normAutofit/>
+            <a:normAutofit fontScale="62500" lnSpcReduction="20000"/>
           </a:bodyPr>
           <a:lstStyle/>
           <a:p>
             <a:r>
               <a:rPr lang="en-GB" dirty="0" smtClean="0"/>
-              <a:t>We need to win over people who are suspicious of semantic technologies!</a:t>
+              <a:t>Keeping </a:t>
+            </a:r>
+            <a:r>
+              <a:rPr lang="en-GB" dirty="0"/>
+              <a:t>it simple with RDF </a:t>
+            </a:r>
+            <a:r>
+              <a:rPr lang="en-GB" dirty="0" smtClean="0"/>
+              <a:t>Schema together with additional predicates</a:t>
+            </a:r>
+            <a:endParaRPr lang="en-GB" dirty="0"/>
+          </a:p>
+          <a:p>
+            <a:r>
+              <a:rPr lang="en-GB" dirty="0" smtClean="0"/>
+              <a:t>OWL ontologies</a:t>
             </a:r>
           </a:p>
           <a:p>
             <a:pPr lvl="1"/>
             <a:r>
               <a:rPr lang="en-GB" dirty="0" smtClean="0"/>
-              <a:t>Widespread use in research projects</a:t>
+              <a:t>Increased sophistication and complexity</a:t>
+            </a:r>
+            <a:endParaRPr lang="en-GB" dirty="0"/>
+          </a:p>
+          <a:p>
+            <a:r>
+              <a:rPr lang="en-GB" dirty="0"/>
+              <a:t>Validation with </a:t>
+            </a:r>
+            <a:r>
+              <a:rPr lang="en-GB" dirty="0" smtClean="0"/>
+              <a:t>Linked Data Shape rules</a:t>
             </a:r>
           </a:p>
           <a:p>
             <a:pPr lvl="1"/>
             <a:r>
               <a:rPr lang="en-GB" dirty="0" smtClean="0"/>
-              <a:t>But comparatively little commercial adoption</a:t>
-            </a:r>
-          </a:p>
-          <a:p>
-            <a:r>
-              <a:rPr lang="en-GB" dirty="0" smtClean="0"/>
-              <a:t>We need to show that semantic interoperability is easy and solves commercially important challenges</a:t>
-            </a:r>
+              <a:t>Potential for simple graphical rules</a:t>
+            </a:r>
+          </a:p>
+          <a:p>
+            <a:pPr lvl="2"/>
+            <a:r>
+              <a:rPr lang="en-GB" dirty="0" smtClean="0"/>
+              <a:t>SHACL, </a:t>
+            </a:r>
+            <a:r>
+              <a:rPr lang="en-GB" dirty="0" err="1" smtClean="0"/>
+              <a:t>ShEx</a:t>
+            </a:r>
+            <a:r>
+              <a:rPr lang="en-GB" dirty="0" smtClean="0"/>
+              <a:t>, SHRL as different flavours of shape rule languages</a:t>
+            </a:r>
+          </a:p>
+          <a:p>
+            <a:r>
+              <a:rPr lang="en-GB" dirty="0" smtClean="0"/>
+              <a:t>Other tools</a:t>
+            </a:r>
+          </a:p>
+          <a:p>
+            <a:pPr lvl="1"/>
+            <a:r>
+              <a:rPr lang="en-GB" dirty="0" smtClean="0"/>
+              <a:t>Semantic Data annotating tools</a:t>
+            </a:r>
+          </a:p>
+          <a:p>
+            <a:pPr lvl="1"/>
+            <a:r>
+              <a:rPr lang="en-GB" dirty="0" smtClean="0"/>
+              <a:t>Storage and query engines</a:t>
+            </a:r>
+          </a:p>
+          <a:p>
+            <a:pPr lvl="1"/>
+            <a:r>
+              <a:rPr lang="en-GB" dirty="0" smtClean="0"/>
+              <a:t>Reasoners</a:t>
+            </a:r>
+          </a:p>
+          <a:p>
+            <a:pPr lvl="1"/>
+            <a:r>
+              <a:rPr lang="mr-IN" dirty="0" smtClean="0"/>
+              <a:t>…</a:t>
+            </a:r>
+            <a:endParaRPr lang="en-GB" dirty="0" smtClean="0"/>
+          </a:p>
+          <a:p>
+            <a:r>
+              <a:rPr lang="en-GB" dirty="0" smtClean="0"/>
+              <a:t>But we shouldn’t be scared of introducing new approaches where these make obvious sense</a:t>
+            </a:r>
+            <a:endParaRPr lang="en-GB" dirty="0"/>
+          </a:p>
+          <a:p>
+            <a:endParaRPr lang="en-GB" dirty="0"/>
           </a:p>
         </p:txBody>
       </p:sp>
@@ -4825,7 +6224,7 @@
     </p:spTree>
     <p:extLst>
       <p:ext uri="{BB962C8B-B14F-4D97-AF65-F5344CB8AC3E}">
-        <p14:creationId xmlns:p14="http://schemas.microsoft.com/office/powerpoint/2010/main" val="735912602"/>
+        <p14:creationId xmlns:p14="http://schemas.microsoft.com/office/powerpoint/2010/main" val="753578766"/>
       </p:ext>
     </p:extLst>
   </p:cSld>
@@ -4869,6 +6268,133 @@
             <p:ph type="title"/>
           </p:nvPr>
         </p:nvSpPr>
+        <p:spPr/>
+        <p:txBody>
+          <a:bodyPr/>
+          <a:lstStyle/>
+          <a:p>
+            <a:r>
+              <a:rPr lang="en-GB" dirty="0" smtClean="0"/>
+              <a:t>Semantic Models</a:t>
+            </a:r>
+            <a:endParaRPr lang="en-GB" dirty="0"/>
+          </a:p>
+        </p:txBody>
+      </p:sp>
+      <p:sp>
+        <p:nvSpPr>
+          <p:cNvPr id="3" name="Content Placeholder 2"/>
+          <p:cNvSpPr>
+            <a:spLocks noGrp="1"/>
+          </p:cNvSpPr>
+          <p:nvPr>
+            <p:ph idx="1"/>
+          </p:nvPr>
+        </p:nvSpPr>
+        <p:spPr/>
+        <p:txBody>
+          <a:bodyPr>
+            <a:normAutofit/>
+          </a:bodyPr>
+          <a:lstStyle/>
+          <a:p>
+            <a:r>
+              <a:rPr lang="en-GB" dirty="0" smtClean="0"/>
+              <a:t>We need to win over people who are suspicious of semantic technologies!</a:t>
+            </a:r>
+          </a:p>
+          <a:p>
+            <a:pPr lvl="1"/>
+            <a:r>
+              <a:rPr lang="en-GB" dirty="0" smtClean="0"/>
+              <a:t>Widespread use in research projects</a:t>
+            </a:r>
+          </a:p>
+          <a:p>
+            <a:pPr lvl="1"/>
+            <a:r>
+              <a:rPr lang="en-GB" dirty="0" smtClean="0"/>
+              <a:t>But comparatively little commercial adoption</a:t>
+            </a:r>
+          </a:p>
+          <a:p>
+            <a:r>
+              <a:rPr lang="en-GB" dirty="0" smtClean="0"/>
+              <a:t>We need to show that semantic interoperability is easy and solves commercially important challenges</a:t>
+            </a:r>
+          </a:p>
+        </p:txBody>
+      </p:sp>
+      <p:sp>
+        <p:nvSpPr>
+          <p:cNvPr id="4" name="Slide Number Placeholder 3"/>
+          <p:cNvSpPr>
+            <a:spLocks noGrp="1"/>
+          </p:cNvSpPr>
+          <p:nvPr>
+            <p:ph type="sldNum" sz="quarter" idx="12"/>
+          </p:nvPr>
+        </p:nvSpPr>
+        <p:spPr/>
+        <p:txBody>
+          <a:bodyPr/>
+          <a:lstStyle/>
+          <a:p>
+            <a:fld id="{F558E1C9-ACA8-C844-BF9D-B5BFB8FAABAF}" type="slidenum">
+              <a:rPr lang="en-US" smtClean="0"/>
+              <a:t>14</a:t>
+            </a:fld>
+            <a:endParaRPr lang="en-US"/>
+          </a:p>
+        </p:txBody>
+      </p:sp>
+    </p:spTree>
+    <p:extLst>
+      <p:ext uri="{BB962C8B-B14F-4D97-AF65-F5344CB8AC3E}">
+        <p14:creationId xmlns:p14="http://schemas.microsoft.com/office/powerpoint/2010/main" val="735912602"/>
+      </p:ext>
+    </p:extLst>
+  </p:cSld>
+  <p:clrMapOvr>
+    <a:masterClrMapping/>
+  </p:clrMapOvr>
+  <p:timing>
+    <p:tnLst>
+      <p:par>
+        <p:cTn id="1" dur="indefinite" restart="never" nodeType="tmRoot"/>
+      </p:par>
+    </p:tnLst>
+  </p:timing>
+</p:sld>
+</file>
+
+<file path=ppt/slides/slide15.xml><?xml version="1.0" encoding="utf-8"?>
+<p:sld xmlns:a="http://schemas.openxmlformats.org/drawingml/2006/main" xmlns:r="http://schemas.openxmlformats.org/officeDocument/2006/relationships" xmlns:p="http://schemas.openxmlformats.org/presentationml/2006/main">
+  <p:cSld>
+    <p:spTree>
+      <p:nvGrpSpPr>
+        <p:cNvPr id="1" name=""/>
+        <p:cNvGrpSpPr/>
+        <p:nvPr/>
+      </p:nvGrpSpPr>
+      <p:grpSpPr>
+        <a:xfrm>
+          <a:off x="0" y="0"/>
+          <a:ext cx="0" cy="0"/>
+          <a:chOff x="0" y="0"/>
+          <a:chExt cx="0" cy="0"/>
+        </a:xfrm>
+      </p:grpSpPr>
+      <p:sp>
+        <p:nvSpPr>
+          <p:cNvPr id="2" name="Title 1"/>
+          <p:cNvSpPr>
+            <a:spLocks noGrp="1"/>
+          </p:cNvSpPr>
+          <p:nvPr>
+            <p:ph type="title"/>
+          </p:nvPr>
+        </p:nvSpPr>
         <p:spPr>
           <a:xfrm>
             <a:off x="5969829" y="1489971"/>
@@ -4906,7 +6432,7 @@
           <a:p>
             <a:fld id="{F558E1C9-ACA8-C844-BF9D-B5BFB8FAABAF}" type="slidenum">
               <a:rPr lang="en-US" smtClean="0"/>
-              <a:t>14</a:t>
+              <a:t>15</a:t>
             </a:fld>
             <a:endParaRPr lang="en-US" dirty="0"/>
           </a:p>
@@ -4962,162 +6488,6 @@
 </p:sld>
 </file>
 
-<file path=ppt/slides/slide15.xml><?xml version="1.0" encoding="utf-8"?>
-<p:sld xmlns:a="http://schemas.openxmlformats.org/drawingml/2006/main" xmlns:r="http://schemas.openxmlformats.org/officeDocument/2006/relationships" xmlns:p="http://schemas.openxmlformats.org/presentationml/2006/main">
-  <p:cSld>
-    <p:spTree>
-      <p:nvGrpSpPr>
-        <p:cNvPr id="1" name=""/>
-        <p:cNvGrpSpPr/>
-        <p:nvPr/>
-      </p:nvGrpSpPr>
-      <p:grpSpPr>
-        <a:xfrm>
-          <a:off x="0" y="0"/>
-          <a:ext cx="0" cy="0"/>
-          <a:chOff x="0" y="0"/>
-          <a:chExt cx="0" cy="0"/>
-        </a:xfrm>
-      </p:grpSpPr>
-      <p:sp>
-        <p:nvSpPr>
-          <p:cNvPr id="2" name="Title 1"/>
-          <p:cNvSpPr>
-            <a:spLocks noGrp="1"/>
-          </p:cNvSpPr>
-          <p:nvPr>
-            <p:ph type="title"/>
-          </p:nvPr>
-        </p:nvSpPr>
-        <p:spPr/>
-        <p:txBody>
-          <a:bodyPr/>
-          <a:lstStyle/>
-          <a:p>
-            <a:r>
-              <a:rPr lang="en-GB" dirty="0" smtClean="0"/>
-              <a:t>Roadmap?</a:t>
-            </a:r>
-            <a:endParaRPr lang="en-GB" dirty="0"/>
-          </a:p>
-        </p:txBody>
-      </p:sp>
-      <p:sp>
-        <p:nvSpPr>
-          <p:cNvPr id="3" name="Content Placeholder 2"/>
-          <p:cNvSpPr>
-            <a:spLocks noGrp="1"/>
-          </p:cNvSpPr>
-          <p:nvPr>
-            <p:ph idx="1"/>
-          </p:nvPr>
-        </p:nvSpPr>
-        <p:spPr/>
-        <p:txBody>
-          <a:bodyPr>
-            <a:normAutofit fontScale="77500" lnSpcReduction="20000"/>
-          </a:bodyPr>
-          <a:lstStyle/>
-          <a:p>
-            <a:r>
-              <a:rPr lang="en-GB" dirty="0" smtClean="0"/>
-              <a:t>Could we define a roadmap for demonstrating benefits of semantic technologies?</a:t>
-            </a:r>
-          </a:p>
-          <a:p>
-            <a:pPr lvl="1"/>
-            <a:r>
-              <a:rPr lang="en-GB" dirty="0" err="1" smtClean="0"/>
-              <a:t>NodeJS</a:t>
-            </a:r>
-            <a:r>
-              <a:rPr lang="en-GB" dirty="0" smtClean="0"/>
-              <a:t> implementation on Web of Things with access to simulations of OCF, oneM2M and </a:t>
-            </a:r>
-            <a:r>
-              <a:rPr lang="en-GB" dirty="0" err="1" smtClean="0"/>
-              <a:t>ECHOnet</a:t>
-            </a:r>
-            <a:r>
-              <a:rPr lang="en-GB" dirty="0" smtClean="0"/>
-              <a:t> devices?</a:t>
-            </a:r>
-          </a:p>
-          <a:p>
-            <a:pPr lvl="1"/>
-            <a:r>
-              <a:rPr lang="en-GB" dirty="0" smtClean="0"/>
-              <a:t>Smart services that adapt to variations in the interaction models based upon inspecting their semantic models</a:t>
-            </a:r>
-          </a:p>
-          <a:p>
-            <a:pPr lvl="1"/>
-            <a:r>
-              <a:rPr lang="en-GB" dirty="0" smtClean="0"/>
-              <a:t>Validation of interaction models are consistent with their linked semantic models</a:t>
-            </a:r>
-          </a:p>
-          <a:p>
-            <a:pPr lvl="1"/>
-            <a:r>
-              <a:rPr lang="en-GB" dirty="0" smtClean="0"/>
-              <a:t>Virtual things as dynamic compositions of other things based upon a registry of services</a:t>
-            </a:r>
-          </a:p>
-          <a:p>
-            <a:r>
-              <a:rPr lang="en-GB" dirty="0" smtClean="0"/>
-              <a:t>Practical way to explore different approaches to representing semantic models</a:t>
-            </a:r>
-          </a:p>
-          <a:p>
-            <a:endParaRPr lang="en-GB" dirty="0"/>
-          </a:p>
-        </p:txBody>
-      </p:sp>
-      <p:sp>
-        <p:nvSpPr>
-          <p:cNvPr id="4" name="Slide Number Placeholder 3"/>
-          <p:cNvSpPr>
-            <a:spLocks noGrp="1"/>
-          </p:cNvSpPr>
-          <p:nvPr>
-            <p:ph type="sldNum" sz="quarter" idx="12"/>
-          </p:nvPr>
-        </p:nvSpPr>
-        <p:spPr/>
-        <p:txBody>
-          <a:bodyPr/>
-          <a:lstStyle/>
-          <a:p>
-            <a:fld id="{F558E1C9-ACA8-C844-BF9D-B5BFB8FAABAF}" type="slidenum">
-              <a:rPr lang="en-US" smtClean="0"/>
-              <a:t>15</a:t>
-            </a:fld>
-            <a:endParaRPr lang="en-US"/>
-          </a:p>
-        </p:txBody>
-      </p:sp>
-    </p:spTree>
-    <p:extLst>
-      <p:ext uri="{BB962C8B-B14F-4D97-AF65-F5344CB8AC3E}">
-        <p14:creationId xmlns:p14="http://schemas.microsoft.com/office/powerpoint/2010/main" val="1857552392"/>
-      </p:ext>
-    </p:extLst>
-  </p:cSld>
-  <p:clrMapOvr>
-    <a:masterClrMapping/>
-  </p:clrMapOvr>
-  <p:timing>
-    <p:tnLst>
-      <p:par>
-        <p:cTn id="1" dur="indefinite" restart="never" nodeType="tmRoot"/>
-      </p:par>
-    </p:tnLst>
-  </p:timing>
-</p:sld>
-</file>
-
 <file path=ppt/slides/slide16.xml><?xml version="1.0" encoding="utf-8"?>
 <p:sld xmlns:a="http://schemas.openxmlformats.org/drawingml/2006/main" xmlns:r="http://schemas.openxmlformats.org/officeDocument/2006/relationships" xmlns:p="http://schemas.openxmlformats.org/presentationml/2006/main">
   <p:cSld>
@@ -5145,21 +6515,14 @@
             <p:ph type="title"/>
           </p:nvPr>
         </p:nvSpPr>
-        <p:spPr>
-          <a:xfrm>
-            <a:off x="0" y="205979"/>
-            <a:ext cx="7798741" cy="857250"/>
-          </a:xfrm>
-        </p:spPr>
-        <p:txBody>
-          <a:bodyPr>
-            <a:normAutofit fontScale="90000"/>
-          </a:bodyPr>
-          <a:lstStyle/>
-          <a:p>
-            <a:r>
-              <a:rPr lang="en-GB" smtClean="0"/>
-              <a:t>Requirements for Semantic Models</a:t>
+        <p:spPr/>
+        <p:txBody>
+          <a:bodyPr/>
+          <a:lstStyle/>
+          <a:p>
+            <a:r>
+              <a:rPr lang="en-GB" dirty="0" smtClean="0"/>
+              <a:t>Roadmap?</a:t>
             </a:r>
             <a:endParaRPr lang="en-GB" dirty="0"/>
           </a:p>
@@ -5184,74 +6547,57 @@
           <a:p>
             <a:r>
               <a:rPr lang="en-GB" dirty="0" smtClean="0"/>
-              <a:t>The means to declare semantic classes</a:t>
+              <a:t>Could we define a roadmap for demonstrating benefits of semantic technologies?</a:t>
             </a:r>
           </a:p>
           <a:p>
             <a:pPr lvl="1"/>
             <a:r>
-              <a:rPr lang="en-GB" dirty="0" smtClean="0"/>
-              <a:t>Taxonomies of semantic classes</a:t>
+              <a:rPr lang="en-GB" dirty="0" err="1" smtClean="0"/>
+              <a:t>NodeJS</a:t>
+            </a:r>
+            <a:r>
+              <a:rPr lang="en-GB" dirty="0" smtClean="0"/>
+              <a:t> implementation on Web of Things with access to simulations of OCF, oneM2M and </a:t>
+            </a:r>
+            <a:r>
+              <a:rPr lang="en-GB" dirty="0" err="1" smtClean="0"/>
+              <a:t>ECHOnet</a:t>
+            </a:r>
+            <a:r>
+              <a:rPr lang="en-GB" dirty="0" smtClean="0"/>
+              <a:t> devices?</a:t>
             </a:r>
           </a:p>
           <a:p>
             <a:pPr lvl="1"/>
             <a:r>
               <a:rPr lang="en-GB" dirty="0" smtClean="0"/>
-              <a:t>Constraints on interaction models</a:t>
-            </a:r>
-          </a:p>
-          <a:p>
-            <a:pPr lvl="2"/>
-            <a:r>
-              <a:rPr lang="en-GB" dirty="0" smtClean="0"/>
-              <a:t>Properties, actions, events, metadata</a:t>
-            </a:r>
-          </a:p>
-          <a:p>
-            <a:pPr lvl="2"/>
-            <a:r>
-              <a:rPr lang="en-GB" dirty="0" smtClean="0"/>
-              <a:t>Whether optional or required</a:t>
+              <a:t>Smart services that adapt to variations in the interaction models based upon inspecting their semantic models</a:t>
             </a:r>
           </a:p>
           <a:p>
             <a:pPr lvl="1"/>
             <a:r>
               <a:rPr lang="en-GB" dirty="0" smtClean="0"/>
-              <a:t>Use of roles for identifying properties, actions and events independent of the name used in specific interaction models</a:t>
+              <a:t>Validation of interaction models are consistent with their linked semantic models</a:t>
             </a:r>
           </a:p>
           <a:p>
             <a:pPr lvl="1"/>
             <a:r>
-              <a:rPr lang="en-GB" dirty="0"/>
-              <a:t>D</a:t>
-            </a:r>
-            <a:r>
-              <a:rPr lang="en-GB" dirty="0" smtClean="0"/>
-              <a:t>efault names for properties, actions and events</a:t>
-            </a:r>
-          </a:p>
-          <a:p>
-            <a:pPr lvl="1"/>
-            <a:r>
-              <a:rPr lang="en-GB" dirty="0" smtClean="0"/>
-              <a:t>Defaults for units of measure</a:t>
-            </a:r>
-          </a:p>
-          <a:p>
-            <a:r>
-              <a:rPr lang="en-GB" dirty="0" smtClean="0"/>
-              <a:t>Don’t forget the overriding need to keep it simple!</a:t>
-            </a:r>
-          </a:p>
-          <a:p>
-            <a:pPr lvl="1"/>
-            <a:r>
-              <a:rPr lang="en-GB" dirty="0" smtClean="0"/>
-              <a:t>Even if this implies the need for new standards</a:t>
-            </a:r>
+              <a:rPr lang="en-GB" dirty="0" smtClean="0"/>
+              <a:t>Virtual things as dynamic compositions of other things based upon a registry of services</a:t>
+            </a:r>
+          </a:p>
+          <a:p>
+            <a:r>
+              <a:rPr lang="en-GB" dirty="0" smtClean="0"/>
+              <a:t>Practical way to explore different approaches to representing semantic models</a:t>
+            </a:r>
+          </a:p>
+          <a:p>
+            <a:endParaRPr lang="en-GB" dirty="0"/>
           </a:p>
         </p:txBody>
       </p:sp>
@@ -5281,7 +6627,7 @@
     </p:spTree>
     <p:extLst>
       <p:ext uri="{BB962C8B-B14F-4D97-AF65-F5344CB8AC3E}">
-        <p14:creationId xmlns:p14="http://schemas.microsoft.com/office/powerpoint/2010/main" val="1830734996"/>
+        <p14:creationId xmlns:p14="http://schemas.microsoft.com/office/powerpoint/2010/main" val="1857552392"/>
       </p:ext>
     </p:extLst>
   </p:cSld>
@@ -5325,63 +6671,113 @@
             <p:ph type="title"/>
           </p:nvPr>
         </p:nvSpPr>
+        <p:spPr>
+          <a:xfrm>
+            <a:off x="0" y="205979"/>
+            <a:ext cx="7798741" cy="857250"/>
+          </a:xfrm>
+        </p:spPr>
+        <p:txBody>
+          <a:bodyPr>
+            <a:normAutofit fontScale="90000"/>
+          </a:bodyPr>
+          <a:lstStyle/>
+          <a:p>
+            <a:r>
+              <a:rPr lang="en-GB" smtClean="0"/>
+              <a:t>Requirements for Semantic Models</a:t>
+            </a:r>
+            <a:endParaRPr lang="en-GB" dirty="0"/>
+          </a:p>
+        </p:txBody>
+      </p:sp>
+      <p:sp>
+        <p:nvSpPr>
+          <p:cNvPr id="3" name="Content Placeholder 2"/>
+          <p:cNvSpPr>
+            <a:spLocks noGrp="1"/>
+          </p:cNvSpPr>
+          <p:nvPr>
+            <p:ph idx="1"/>
+          </p:nvPr>
+        </p:nvSpPr>
         <p:spPr/>
         <p:txBody>
-          <a:bodyPr/>
-          <a:lstStyle/>
-          <a:p>
-            <a:r>
-              <a:rPr lang="en-GB" dirty="0" smtClean="0"/>
-              <a:t>Challenge!</a:t>
-            </a:r>
-            <a:endParaRPr lang="en-GB" dirty="0"/>
-          </a:p>
-        </p:txBody>
-      </p:sp>
-      <p:sp>
-        <p:nvSpPr>
-          <p:cNvPr id="3" name="Content Placeholder 2"/>
-          <p:cNvSpPr>
-            <a:spLocks noGrp="1"/>
-          </p:cNvSpPr>
-          <p:nvPr>
-            <p:ph idx="1"/>
-          </p:nvPr>
-        </p:nvSpPr>
-        <p:spPr/>
-        <p:txBody>
-          <a:bodyPr/>
-          <a:lstStyle/>
-          <a:p>
-            <a:r>
-              <a:rPr lang="en-GB" dirty="0" smtClean="0"/>
-              <a:t>Discuss how to address the requirements for semantic models of things for the oneM2M motion sensor</a:t>
+          <a:bodyPr>
+            <a:normAutofit fontScale="77500" lnSpcReduction="20000"/>
+          </a:bodyPr>
+          <a:lstStyle/>
+          <a:p>
+            <a:r>
+              <a:rPr lang="en-GB" dirty="0" smtClean="0"/>
+              <a:t>The means to declare semantic classes</a:t>
             </a:r>
           </a:p>
           <a:p>
             <a:pPr lvl="1"/>
             <a:r>
               <a:rPr lang="en-GB" dirty="0" smtClean="0"/>
-              <a:t>How to represent the semantic model?</a:t>
+              <a:t>Taxonomies of semantic classes</a:t>
+            </a:r>
+          </a:p>
+          <a:p>
+            <a:pPr lvl="1"/>
+            <a:r>
+              <a:rPr lang="en-GB" dirty="0" smtClean="0"/>
+              <a:t>Constraints on interaction models</a:t>
             </a:r>
           </a:p>
           <a:p>
             <a:pPr lvl="2"/>
             <a:r>
               <a:rPr lang="en-GB" dirty="0" smtClean="0"/>
-              <a:t>e.g. the need for a property with a given role, and the means to express defaults</a:t>
+              <a:t>Properties, actions, events, metadata</a:t>
+            </a:r>
+          </a:p>
+          <a:p>
+            <a:pPr lvl="2"/>
+            <a:r>
+              <a:rPr lang="en-GB" dirty="0" smtClean="0"/>
+              <a:t>Whether optional or required</a:t>
             </a:r>
           </a:p>
           <a:p>
             <a:pPr lvl="1"/>
             <a:r>
               <a:rPr lang="en-GB" dirty="0" smtClean="0"/>
-              <a:t>Whether current standards support the kinds of reasoning required?</a:t>
+              <a:t>Use of roles for identifying properties, actions and events independent of the name used in specific interaction models</a:t>
             </a:r>
           </a:p>
           <a:p>
             <a:pPr lvl="1"/>
-            <a:endParaRPr lang="en-GB" dirty="0"/>
+            <a:r>
+              <a:rPr lang="en-GB" dirty="0"/>
+              <a:t>D</a:t>
+            </a:r>
+            <a:r>
+              <a:rPr lang="en-GB" dirty="0" smtClean="0"/>
+              <a:t>efault names for properties, actions and events</a:t>
+            </a:r>
+          </a:p>
+          <a:p>
+            <a:pPr lvl="1"/>
+            <a:r>
+              <a:rPr lang="en-GB" dirty="0" smtClean="0"/>
+              <a:t>Defaults for units of measure</a:t>
+            </a:r>
+          </a:p>
+          <a:p>
+            <a:r>
+              <a:rPr lang="en-GB" dirty="0" smtClean="0"/>
+              <a:t>Don’t forget the overriding need to keep it simple!</a:t>
+            </a:r>
+          </a:p>
+          <a:p>
+            <a:pPr lvl="1"/>
+            <a:r>
+              <a:rPr lang="en-GB" dirty="0" smtClean="0"/>
+              <a:t>Even if this implies the need for new standards</a:t>
+            </a:r>
           </a:p>
         </p:txBody>
       </p:sp>
@@ -5411,7 +6807,7 @@
     </p:spTree>
     <p:extLst>
       <p:ext uri="{BB962C8B-B14F-4D97-AF65-F5344CB8AC3E}">
-        <p14:creationId xmlns:p14="http://schemas.microsoft.com/office/powerpoint/2010/main" val="1183315923"/>
+        <p14:creationId xmlns:p14="http://schemas.microsoft.com/office/powerpoint/2010/main" val="1830734996"/>
       </p:ext>
     </p:extLst>
   </p:cSld>
@@ -5457,21 +6853,12 @@
         </p:nvSpPr>
         <p:spPr/>
         <p:txBody>
-          <a:bodyPr>
-            <a:normAutofit fontScale="90000"/>
-          </a:bodyPr>
-          <a:lstStyle/>
-          <a:p>
-            <a:r>
-              <a:rPr lang="en-GB" dirty="0" smtClean="0"/>
-              <a:t>Different Communities</a:t>
-            </a:r>
-            <a:br>
-              <a:rPr lang="en-GB" dirty="0" smtClean="0"/>
-            </a:br>
-            <a:r>
-              <a:rPr lang="en-GB" smtClean="0"/>
-              <a:t>Different Semantic Models</a:t>
+          <a:bodyPr/>
+          <a:lstStyle/>
+          <a:p>
+            <a:r>
+              <a:rPr lang="en-GB" dirty="0" smtClean="0"/>
+              <a:t>Challenge!</a:t>
             </a:r>
             <a:endParaRPr lang="en-GB" dirty="0"/>
           </a:p>
@@ -5487,52 +6874,39 @@
             <p:ph idx="1"/>
           </p:nvPr>
         </p:nvSpPr>
-        <p:spPr>
-          <a:xfrm>
-            <a:off x="457200" y="1574276"/>
-            <a:ext cx="8229600" cy="3466830"/>
-          </a:xfrm>
-        </p:spPr>
-        <p:txBody>
-          <a:bodyPr>
-            <a:normAutofit fontScale="85000" lnSpcReduction="20000"/>
-          </a:bodyPr>
-          <a:lstStyle/>
-          <a:p>
-            <a:r>
-              <a:rPr lang="en-GB" dirty="0" smtClean="0"/>
-              <a:t>When different communities work on defining semantic models we can expect differences</a:t>
-            </a:r>
-          </a:p>
-          <a:p>
-            <a:r>
-              <a:rPr lang="en-GB" dirty="0" smtClean="0"/>
-              <a:t>This is already the case in the research community, and can be expected to be the case for Standards Development Organisations</a:t>
+        <p:spPr/>
+        <p:txBody>
+          <a:bodyPr/>
+          <a:lstStyle/>
+          <a:p>
+            <a:r>
+              <a:rPr lang="en-GB" dirty="0" smtClean="0"/>
+              <a:t>Discuss how to address the requirements for semantic models of things for the oneM2M motion sensor</a:t>
             </a:r>
           </a:p>
           <a:p>
             <a:pPr lvl="1"/>
             <a:r>
               <a:rPr lang="en-GB" dirty="0" smtClean="0"/>
-              <a:t>Evidence from comparing OCF, oneM2M and </a:t>
-            </a:r>
-            <a:r>
-              <a:rPr lang="en-GB" dirty="0" err="1" smtClean="0"/>
-              <a:t>ECHOnet</a:t>
-            </a:r>
-            <a:endParaRPr lang="en-GB" dirty="0" smtClean="0"/>
-          </a:p>
-          <a:p>
-            <a:r>
-              <a:rPr lang="en-GB" dirty="0" smtClean="0"/>
-              <a:t>Tools relating to mappings between models</a:t>
-            </a:r>
-          </a:p>
-          <a:p>
-            <a:r>
-              <a:rPr lang="en-GB" dirty="0" smtClean="0"/>
-              <a:t>What social and technical factors can encourage reuse and convergence?</a:t>
-            </a:r>
+              <a:t>How to represent the semantic model?</a:t>
+            </a:r>
+          </a:p>
+          <a:p>
+            <a:pPr lvl="2"/>
+            <a:r>
+              <a:rPr lang="en-GB" dirty="0" smtClean="0"/>
+              <a:t>e.g. the need for a property with a given role, and the means to express defaults</a:t>
+            </a:r>
+          </a:p>
+          <a:p>
+            <a:pPr lvl="1"/>
+            <a:r>
+              <a:rPr lang="en-GB" dirty="0" smtClean="0"/>
+              <a:t>Whether current standards support the kinds of reasoning required?</a:t>
+            </a:r>
+          </a:p>
+          <a:p>
+            <a:pPr lvl="1"/>
             <a:endParaRPr lang="en-GB" dirty="0"/>
           </a:p>
         </p:txBody>
@@ -5563,13 +6937,20 @@
     </p:spTree>
     <p:extLst>
       <p:ext uri="{BB962C8B-B14F-4D97-AF65-F5344CB8AC3E}">
-        <p14:creationId xmlns:p14="http://schemas.microsoft.com/office/powerpoint/2010/main" val="2102256949"/>
+        <p14:creationId xmlns:p14="http://schemas.microsoft.com/office/powerpoint/2010/main" val="1183315923"/>
       </p:ext>
     </p:extLst>
   </p:cSld>
   <p:clrMapOvr>
     <a:masterClrMapping/>
   </p:clrMapOvr>
+  <p:timing>
+    <p:tnLst>
+      <p:par>
+        <p:cTn id="1" dur="indefinite" restart="never" nodeType="tmRoot"/>
+      </p:par>
+    </p:tnLst>
+  </p:timing>
 </p:sld>
 </file>
 
@@ -5602,12 +6983,81 @@
         </p:nvSpPr>
         <p:spPr/>
         <p:txBody>
-          <a:bodyPr/>
-          <a:lstStyle/>
-          <a:p>
-            <a:r>
-              <a:rPr lang="en-GB" dirty="0" smtClean="0"/>
-              <a:t>Some ideas for discussion</a:t>
+          <a:bodyPr>
+            <a:normAutofit fontScale="90000"/>
+          </a:bodyPr>
+          <a:lstStyle/>
+          <a:p>
+            <a:r>
+              <a:rPr lang="en-GB" dirty="0" smtClean="0"/>
+              <a:t>Different Communities</a:t>
+            </a:r>
+            <a:br>
+              <a:rPr lang="en-GB" dirty="0" smtClean="0"/>
+            </a:br>
+            <a:r>
+              <a:rPr lang="en-GB" smtClean="0"/>
+              <a:t>Different Semantic Models</a:t>
+            </a:r>
+            <a:endParaRPr lang="en-GB" dirty="0"/>
+          </a:p>
+        </p:txBody>
+      </p:sp>
+      <p:sp>
+        <p:nvSpPr>
+          <p:cNvPr id="3" name="Content Placeholder 2"/>
+          <p:cNvSpPr>
+            <a:spLocks noGrp="1"/>
+          </p:cNvSpPr>
+          <p:nvPr>
+            <p:ph idx="1"/>
+          </p:nvPr>
+        </p:nvSpPr>
+        <p:spPr>
+          <a:xfrm>
+            <a:off x="457200" y="1574276"/>
+            <a:ext cx="8229600" cy="3466830"/>
+          </a:xfrm>
+        </p:spPr>
+        <p:txBody>
+          <a:bodyPr>
+            <a:normAutofit fontScale="85000" lnSpcReduction="20000"/>
+          </a:bodyPr>
+          <a:lstStyle/>
+          <a:p>
+            <a:r>
+              <a:rPr lang="en-GB" dirty="0" smtClean="0"/>
+              <a:t>When different communities work on defining semantic models we can expect differences</a:t>
+            </a:r>
+          </a:p>
+          <a:p>
+            <a:r>
+              <a:rPr lang="en-GB" dirty="0" smtClean="0"/>
+              <a:t>This is already the case in the research community, and can be expected to be the case for Standards Development Organisations</a:t>
+            </a:r>
+          </a:p>
+          <a:p>
+            <a:pPr lvl="1"/>
+            <a:r>
+              <a:rPr lang="en-GB" dirty="0" smtClean="0"/>
+              <a:t>Evidence from comparing OCF, oneM2M and </a:t>
+            </a:r>
+            <a:r>
+              <a:rPr lang="en-GB" dirty="0" err="1" smtClean="0"/>
+              <a:t>ECHOnet</a:t>
+            </a:r>
+            <a:endParaRPr lang="en-GB" dirty="0" smtClean="0"/>
+          </a:p>
+          <a:p>
+            <a:r>
+              <a:rPr lang="en-GB" dirty="0" smtClean="0"/>
+              <a:t>Tools relating to mappings between models</a:t>
+            </a:r>
+          </a:p>
+          <a:p>
+            <a:r>
+              <a:rPr lang="en-GB" dirty="0" smtClean="0"/>
+              <a:t>What social and technical factors can encourage reuse and convergence?</a:t>
             </a:r>
             <a:endParaRPr lang="en-GB" dirty="0"/>
           </a:p>
@@ -5636,479 +7086,16 @@
           </a:p>
         </p:txBody>
       </p:sp>
-      <p:sp>
-        <p:nvSpPr>
-          <p:cNvPr id="5" name="TextBox 4"/>
-          <p:cNvSpPr txBox="1"/>
-          <p:nvPr/>
-        </p:nvSpPr>
-        <p:spPr>
-          <a:xfrm>
-            <a:off x="373626" y="1150374"/>
-            <a:ext cx="4060722" cy="3785652"/>
-          </a:xfrm>
-          <a:prstGeom prst="rect">
-            <a:avLst/>
-          </a:prstGeom>
-          <a:noFill/>
-        </p:spPr>
-        <p:txBody>
-          <a:bodyPr wrap="square" rtlCol="0">
-            <a:spAutoFit/>
-          </a:bodyPr>
-          <a:lstStyle/>
-          <a:p>
-            <a:r>
-              <a:rPr lang="en-GB" sz="1200" dirty="0" smtClean="0"/>
-              <a:t>:</a:t>
-            </a:r>
-            <a:r>
-              <a:rPr lang="en-GB" sz="1200" dirty="0" err="1" smtClean="0"/>
-              <a:t>motionSensor</a:t>
-            </a:r>
-            <a:r>
-              <a:rPr lang="en-GB" sz="1200" dirty="0" smtClean="0"/>
-              <a:t> </a:t>
-            </a:r>
-            <a:r>
-              <a:rPr lang="en-GB" sz="1200" dirty="0" err="1" smtClean="0"/>
-              <a:t>rdfs:subClassOf</a:t>
-            </a:r>
-            <a:r>
-              <a:rPr lang="en-GB" sz="1200" dirty="0" smtClean="0"/>
-              <a:t> :sensor .</a:t>
-            </a:r>
-          </a:p>
-          <a:p>
-            <a:endParaRPr lang="en-GB" sz="1200" dirty="0" smtClean="0"/>
-          </a:p>
-          <a:p>
-            <a:r>
-              <a:rPr lang="en-GB" sz="1200" dirty="0" smtClean="0"/>
-              <a:t>:</a:t>
-            </a:r>
-            <a:r>
-              <a:rPr lang="en-GB" sz="1200" dirty="0" err="1" smtClean="0"/>
-              <a:t>motionSensor</a:t>
-            </a:r>
-            <a:r>
-              <a:rPr lang="en-GB" sz="1200" dirty="0" smtClean="0"/>
-              <a:t> </a:t>
-            </a:r>
-            <a:r>
-              <a:rPr lang="en-GB" sz="1200" dirty="0" err="1" smtClean="0"/>
-              <a:t>td:hasInteractlonModel</a:t>
-            </a:r>
-            <a:r>
-              <a:rPr lang="en-GB" sz="1200" dirty="0" smtClean="0"/>
-              <a:t> _:23 .</a:t>
-            </a:r>
-          </a:p>
-          <a:p>
-            <a:endParaRPr lang="en-GB" sz="1200" dirty="0"/>
-          </a:p>
-          <a:p>
-            <a:r>
-              <a:rPr lang="en-GB" sz="1200" dirty="0" smtClean="0"/>
-              <a:t>_:23 </a:t>
-            </a:r>
-            <a:r>
-              <a:rPr lang="en-GB" sz="1200" dirty="0" err="1" smtClean="0"/>
-              <a:t>td:hasProperty</a:t>
-            </a:r>
-            <a:r>
-              <a:rPr lang="en-GB" sz="1200" dirty="0" smtClean="0"/>
-              <a:t> _:31 , _:32 , _:33 .</a:t>
-            </a:r>
-          </a:p>
-          <a:p>
-            <a:endParaRPr lang="en-GB" sz="1200" dirty="0"/>
-          </a:p>
-          <a:p>
-            <a:r>
-              <a:rPr lang="en-GB" sz="1200" dirty="0" smtClean="0"/>
-              <a:t>_:31 </a:t>
-            </a:r>
-            <a:r>
-              <a:rPr lang="en-GB" sz="1200" dirty="0" err="1" smtClean="0"/>
-              <a:t>td:role</a:t>
-            </a:r>
-            <a:r>
-              <a:rPr lang="en-GB" sz="1200" dirty="0" smtClean="0"/>
-              <a:t> “value” ;</a:t>
-            </a:r>
-          </a:p>
-          <a:p>
-            <a:r>
-              <a:rPr lang="en-GB" sz="1200" dirty="0"/>
-              <a:t>	</a:t>
-            </a:r>
-            <a:r>
-              <a:rPr lang="en-GB" sz="1200" dirty="0" err="1" smtClean="0"/>
-              <a:t>rdfs:comment</a:t>
-            </a:r>
-            <a:r>
-              <a:rPr lang="en-GB" sz="1200" dirty="0" smtClean="0"/>
-              <a:t> “true if motion has been detected” ;</a:t>
-            </a:r>
-          </a:p>
-          <a:p>
-            <a:r>
-              <a:rPr lang="en-GB" sz="1200" dirty="0"/>
-              <a:t>	</a:t>
-            </a:r>
-            <a:r>
-              <a:rPr lang="en-GB" sz="1200" dirty="0" err="1" smtClean="0"/>
-              <a:t>td:type</a:t>
-            </a:r>
-            <a:r>
-              <a:rPr lang="en-GB" sz="1200" dirty="0" smtClean="0"/>
-              <a:t> </a:t>
-            </a:r>
-            <a:r>
-              <a:rPr lang="en-GB" sz="1200" dirty="0" err="1" smtClean="0"/>
-              <a:t>td:boolean</a:t>
-            </a:r>
-            <a:r>
-              <a:rPr lang="en-GB" sz="1200" dirty="0" smtClean="0"/>
-              <a:t> ;</a:t>
-            </a:r>
-          </a:p>
-          <a:p>
-            <a:r>
-              <a:rPr lang="en-GB" sz="1200" dirty="0"/>
-              <a:t>	</a:t>
-            </a:r>
-            <a:r>
-              <a:rPr lang="en-GB" sz="1200" dirty="0" err="1" smtClean="0"/>
-              <a:t>td:writeable</a:t>
-            </a:r>
-            <a:r>
-              <a:rPr lang="en-GB" sz="1200" dirty="0" smtClean="0"/>
-              <a:t> false .</a:t>
-            </a:r>
-          </a:p>
-          <a:p>
-            <a:endParaRPr lang="en-GB" sz="1200" dirty="0" smtClean="0"/>
-          </a:p>
-          <a:p>
-            <a:r>
-              <a:rPr lang="en-GB" sz="1200" dirty="0"/>
-              <a:t>_:32 </a:t>
-            </a:r>
-            <a:r>
-              <a:rPr lang="en-GB" sz="1200" dirty="0" err="1"/>
-              <a:t>td:role</a:t>
-            </a:r>
-            <a:r>
-              <a:rPr lang="en-GB" sz="1200" dirty="0"/>
-              <a:t> “</a:t>
-            </a:r>
-            <a:r>
-              <a:rPr lang="en-GB" sz="1200" dirty="0" err="1"/>
-              <a:t>minInterval</a:t>
-            </a:r>
-            <a:r>
-              <a:rPr lang="en-GB" sz="1200" dirty="0"/>
-              <a:t>” ;</a:t>
-            </a:r>
-          </a:p>
-          <a:p>
-            <a:r>
-              <a:rPr lang="en-GB" sz="1200" dirty="0"/>
-              <a:t>	</a:t>
-            </a:r>
-            <a:r>
-              <a:rPr lang="en-GB" sz="1200" dirty="0" err="1"/>
-              <a:t>rdfs:comment</a:t>
-            </a:r>
-            <a:r>
-              <a:rPr lang="en-GB" sz="1200" dirty="0"/>
-              <a:t> “minimum interval between alarms” ;</a:t>
-            </a:r>
-          </a:p>
-          <a:p>
-            <a:r>
-              <a:rPr lang="en-GB" sz="1200" dirty="0"/>
-              <a:t>	</a:t>
-            </a:r>
-            <a:r>
-              <a:rPr lang="en-GB" sz="1200" dirty="0" err="1"/>
-              <a:t>td:type</a:t>
-            </a:r>
-            <a:r>
-              <a:rPr lang="en-GB" sz="1200" dirty="0"/>
-              <a:t> </a:t>
-            </a:r>
-            <a:r>
-              <a:rPr lang="en-GB" sz="1200" dirty="0" err="1"/>
-              <a:t>td:integer</a:t>
-            </a:r>
-            <a:r>
-              <a:rPr lang="en-GB" sz="1200" dirty="0"/>
-              <a:t> ;</a:t>
-            </a:r>
-          </a:p>
-          <a:p>
-            <a:r>
-              <a:rPr lang="en-GB" sz="1200" dirty="0"/>
-              <a:t>	</a:t>
-            </a:r>
-            <a:r>
-              <a:rPr lang="en-GB" sz="1200" dirty="0" err="1"/>
-              <a:t>td:optional</a:t>
-            </a:r>
-            <a:r>
-              <a:rPr lang="en-GB" sz="1200" dirty="0"/>
-              <a:t> true .</a:t>
-            </a:r>
-          </a:p>
-          <a:p>
-            <a:endParaRPr lang="en-GB" sz="1200" dirty="0"/>
-          </a:p>
-          <a:p>
-            <a:r>
-              <a:rPr lang="en-GB" sz="1200" dirty="0"/>
-              <a:t>_:32 </a:t>
-            </a:r>
-            <a:r>
-              <a:rPr lang="en-GB" sz="1200" dirty="0" err="1"/>
-              <a:t>td:role</a:t>
-            </a:r>
-            <a:r>
-              <a:rPr lang="en-GB" sz="1200" dirty="0"/>
-              <a:t> </a:t>
-            </a:r>
-            <a:r>
-              <a:rPr lang="en-GB" sz="1200" dirty="0" smtClean="0"/>
-              <a:t>“sensitivity” </a:t>
-            </a:r>
-            <a:r>
-              <a:rPr lang="en-GB" sz="1200" dirty="0"/>
-              <a:t>;</a:t>
-            </a:r>
-          </a:p>
-          <a:p>
-            <a:r>
-              <a:rPr lang="en-GB" sz="1200" dirty="0"/>
-              <a:t>	</a:t>
-            </a:r>
-            <a:r>
-              <a:rPr lang="en-GB" sz="1200" dirty="0" err="1"/>
-              <a:t>rdfs:comment</a:t>
-            </a:r>
-            <a:r>
-              <a:rPr lang="en-GB" sz="1200" dirty="0"/>
-              <a:t> </a:t>
-            </a:r>
-            <a:r>
-              <a:rPr lang="en-GB" sz="1200" dirty="0" smtClean="0"/>
-              <a:t>“detector sensitivity” </a:t>
-            </a:r>
-            <a:r>
-              <a:rPr lang="en-GB" sz="1200" dirty="0"/>
-              <a:t>;</a:t>
-            </a:r>
-          </a:p>
-          <a:p>
-            <a:r>
-              <a:rPr lang="en-GB" sz="1200" dirty="0"/>
-              <a:t>	</a:t>
-            </a:r>
-            <a:r>
-              <a:rPr lang="en-GB" sz="1200" dirty="0" err="1"/>
-              <a:t>td:type</a:t>
-            </a:r>
-            <a:r>
-              <a:rPr lang="en-GB" sz="1200" dirty="0"/>
-              <a:t> </a:t>
-            </a:r>
-            <a:r>
-              <a:rPr lang="en-GB" sz="1200" dirty="0" err="1"/>
-              <a:t>td:integer</a:t>
-            </a:r>
-            <a:r>
-              <a:rPr lang="en-GB" sz="1200" dirty="0"/>
-              <a:t> ;</a:t>
-            </a:r>
-          </a:p>
-          <a:p>
-            <a:r>
-              <a:rPr lang="en-GB" sz="1200" dirty="0"/>
-              <a:t>	</a:t>
-            </a:r>
-            <a:r>
-              <a:rPr lang="en-GB" sz="1200" dirty="0" err="1"/>
-              <a:t>td:optional</a:t>
-            </a:r>
-            <a:r>
-              <a:rPr lang="en-GB" sz="1200" dirty="0"/>
-              <a:t> true </a:t>
-            </a:r>
-            <a:r>
-              <a:rPr lang="en-GB" sz="1200" dirty="0" smtClean="0"/>
-              <a:t>.</a:t>
-            </a:r>
-            <a:endParaRPr lang="en-GB" sz="1200" dirty="0"/>
-          </a:p>
-        </p:txBody>
-      </p:sp>
-      <p:sp>
-        <p:nvSpPr>
-          <p:cNvPr id="6" name="Content Placeholder 2"/>
-          <p:cNvSpPr>
-            <a:spLocks noGrp="1"/>
-          </p:cNvSpPr>
-          <p:nvPr>
-            <p:ph idx="1"/>
-          </p:nvPr>
-        </p:nvSpPr>
-        <p:spPr>
-          <a:xfrm>
-            <a:off x="4316360" y="1200151"/>
-            <a:ext cx="4370439" cy="3840956"/>
-          </a:xfrm>
-        </p:spPr>
-        <p:txBody>
-          <a:bodyPr>
-            <a:normAutofit fontScale="47500" lnSpcReduction="20000"/>
-          </a:bodyPr>
-          <a:lstStyle/>
-          <a:p>
-            <a:r>
-              <a:rPr lang="en-GB" dirty="0" smtClean="0"/>
-              <a:t>Importance of graphical representation</a:t>
-            </a:r>
-          </a:p>
-          <a:p>
-            <a:pPr lvl="1"/>
-            <a:r>
-              <a:rPr lang="en-GB" dirty="0" smtClean="0"/>
-              <a:t>As a tree of nodes and attributes</a:t>
-            </a:r>
-          </a:p>
-          <a:p>
-            <a:r>
-              <a:rPr lang="en-GB" dirty="0" err="1" smtClean="0"/>
-              <a:t>motionSensor</a:t>
-            </a:r>
-            <a:r>
-              <a:rPr lang="en-GB" dirty="0" smtClean="0"/>
-              <a:t> is a sub-class of “sensor”</a:t>
-            </a:r>
-          </a:p>
-          <a:p>
-            <a:r>
-              <a:rPr lang="en-GB" dirty="0" err="1" smtClean="0"/>
-              <a:t>motionSensor</a:t>
-            </a:r>
-            <a:r>
-              <a:rPr lang="en-GB" dirty="0" smtClean="0"/>
-              <a:t> has an interaction model</a:t>
-            </a:r>
-          </a:p>
-          <a:p>
-            <a:r>
-              <a:rPr lang="en-GB" dirty="0" smtClean="0"/>
-              <a:t>Each property is identified by a role</a:t>
-            </a:r>
-          </a:p>
-          <a:p>
-            <a:pPr lvl="1"/>
-            <a:r>
-              <a:rPr lang="en-GB" dirty="0" smtClean="0"/>
-              <a:t>A string literal</a:t>
-            </a:r>
-          </a:p>
-          <a:p>
-            <a:r>
-              <a:rPr lang="en-GB" dirty="0" smtClean="0"/>
-              <a:t>Properties may be required or optional</a:t>
-            </a:r>
-          </a:p>
-          <a:p>
-            <a:r>
-              <a:rPr lang="en-GB" dirty="0" smtClean="0"/>
-              <a:t>Properties may have metadata</a:t>
-            </a:r>
-          </a:p>
-          <a:p>
-            <a:r>
-              <a:rPr lang="en-GB" dirty="0" smtClean="0"/>
-              <a:t>Properties may have default names</a:t>
-            </a:r>
-          </a:p>
-          <a:p>
-            <a:r>
-              <a:rPr lang="en-GB" dirty="0" smtClean="0"/>
-              <a:t>This example needs extending to declare the units for </a:t>
-            </a:r>
-            <a:r>
-              <a:rPr lang="en-GB" dirty="0" err="1" smtClean="0"/>
-              <a:t>minInterval</a:t>
-            </a:r>
-            <a:r>
-              <a:rPr lang="en-GB" dirty="0" smtClean="0"/>
-              <a:t> and sensitivity</a:t>
-            </a:r>
-          </a:p>
-          <a:p>
-            <a:r>
-              <a:rPr lang="en-GB" dirty="0" smtClean="0"/>
-              <a:t>The semantic model can be validated against a specific interaction model</a:t>
-            </a:r>
-          </a:p>
-          <a:p>
-            <a:pPr lvl="1"/>
-            <a:r>
-              <a:rPr lang="en-GB" dirty="0" smtClean="0"/>
-              <a:t>Using a simple script and Linked Data library</a:t>
-            </a:r>
-            <a:endParaRPr lang="en-GB" dirty="0"/>
-          </a:p>
-          <a:p>
-            <a:r>
-              <a:rPr lang="en-GB" dirty="0" smtClean="0"/>
-              <a:t>Questions</a:t>
-            </a:r>
-          </a:p>
-          <a:p>
-            <a:pPr lvl="1"/>
-            <a:r>
-              <a:rPr lang="en-GB" dirty="0" smtClean="0"/>
-              <a:t>Would OWL be simpler or more complex?</a:t>
-            </a:r>
-          </a:p>
-          <a:p>
-            <a:pPr lvl="1"/>
-            <a:r>
-              <a:rPr lang="en-GB" dirty="0"/>
-              <a:t>W</a:t>
-            </a:r>
-            <a:r>
-              <a:rPr lang="en-GB" dirty="0" smtClean="0"/>
-              <a:t>hich requirements would OWL leave  unfulfilled?</a:t>
-            </a:r>
-          </a:p>
-        </p:txBody>
-      </p:sp>
     </p:spTree>
     <p:extLst>
       <p:ext uri="{BB962C8B-B14F-4D97-AF65-F5344CB8AC3E}">
-        <p14:creationId xmlns:p14="http://schemas.microsoft.com/office/powerpoint/2010/main" val="892470850"/>
+        <p14:creationId xmlns:p14="http://schemas.microsoft.com/office/powerpoint/2010/main" val="2102256949"/>
       </p:ext>
     </p:extLst>
   </p:cSld>
   <p:clrMapOvr>
     <a:masterClrMapping/>
   </p:clrMapOvr>
-  <p:timing>
-    <p:tnLst>
-      <p:par>
-        <p:cTn id="1" dur="indefinite" restart="never" nodeType="tmRoot"/>
-      </p:par>
-    </p:tnLst>
-  </p:timing>
 </p:sld>
 </file>
 
@@ -6191,11 +7178,7 @@
             </a:r>
             <a:r>
               <a:rPr lang="en-GB" dirty="0" smtClean="0"/>
-              <a:t> standards suites focus on the protocols and interaction patterns, and only informally describe the semantics in the prose text of the </a:t>
-            </a:r>
-            <a:r>
-              <a:rPr lang="en-GB" dirty="0" smtClean="0"/>
-              <a:t>specifications</a:t>
+              <a:t> standards suites focus on the protocols and interaction patterns, and only informally describe the semantics in the prose text of the specifications</a:t>
             </a:r>
           </a:p>
           <a:p>
@@ -6375,128 +7358,9 @@
           <a:p>
             <a:r>
               <a:rPr lang="en-GB" dirty="0" smtClean="0"/>
-              <a:t>Units of Measure</a:t>
+              <a:t>Some ideas for discussion</a:t>
             </a:r>
             <a:endParaRPr lang="en-GB" dirty="0"/>
-          </a:p>
-        </p:txBody>
-      </p:sp>
-      <p:sp>
-        <p:nvSpPr>
-          <p:cNvPr id="3" name="Content Placeholder 2"/>
-          <p:cNvSpPr>
-            <a:spLocks noGrp="1"/>
-          </p:cNvSpPr>
-          <p:nvPr>
-            <p:ph idx="1"/>
-          </p:nvPr>
-        </p:nvSpPr>
-        <p:spPr/>
-        <p:txBody>
-          <a:bodyPr>
-            <a:normAutofit fontScale="62500" lnSpcReduction="20000"/>
-          </a:bodyPr>
-          <a:lstStyle/>
-          <a:p>
-            <a:r>
-              <a:rPr lang="en-GB" dirty="0" smtClean="0"/>
-              <a:t>JSON context maps names to RDF concepts</a:t>
-            </a:r>
-          </a:p>
-          <a:p>
-            <a:pPr lvl="1"/>
-            <a:r>
-              <a:rPr lang="en-GB" dirty="0" smtClean="0"/>
-              <a:t>Local context to disambiguate short names</a:t>
-            </a:r>
-          </a:p>
-          <a:p>
-            <a:pPr lvl="2"/>
-            <a:r>
-              <a:rPr lang="en-GB" dirty="0" smtClean="0"/>
-              <a:t>mA for </a:t>
-            </a:r>
-            <a:r>
-              <a:rPr lang="en-GB" dirty="0" err="1" smtClean="0"/>
-              <a:t>milliamperes</a:t>
-            </a:r>
-            <a:endParaRPr lang="en-GB" dirty="0" smtClean="0"/>
-          </a:p>
-          <a:p>
-            <a:pPr lvl="2"/>
-            <a:r>
-              <a:rPr lang="en-GB" dirty="0" smtClean="0"/>
-              <a:t>Grouping by domain and system (e.g. SI vs Imperial)</a:t>
-            </a:r>
-          </a:p>
-          <a:p>
-            <a:r>
-              <a:rPr lang="en-GB" dirty="0" smtClean="0"/>
-              <a:t>RDF concept for combination of unit of measure and scale factor,</a:t>
-            </a:r>
-            <a:br>
-              <a:rPr lang="en-GB" dirty="0" smtClean="0"/>
-            </a:br>
-            <a:r>
-              <a:rPr lang="en-GB" dirty="0" smtClean="0"/>
-              <a:t>e.g. </a:t>
-            </a:r>
-            <a:r>
-              <a:rPr lang="en-GB" dirty="0" err="1" smtClean="0"/>
-              <a:t>milliamperes</a:t>
-            </a:r>
-            <a:r>
-              <a:rPr lang="en-GB" dirty="0" smtClean="0"/>
-              <a:t> (amperes x 1000)</a:t>
-            </a:r>
-          </a:p>
-          <a:p>
-            <a:r>
-              <a:rPr lang="en-GB" dirty="0" smtClean="0"/>
-              <a:t>Concept acts as link to further triples that identify</a:t>
-            </a:r>
-          </a:p>
-          <a:p>
-            <a:pPr lvl="1"/>
-            <a:r>
-              <a:rPr lang="en-GB" dirty="0" smtClean="0"/>
-              <a:t>the base unit (amperes)</a:t>
-            </a:r>
-          </a:p>
-          <a:p>
-            <a:pPr lvl="1"/>
-            <a:r>
-              <a:rPr lang="en-GB" dirty="0" smtClean="0"/>
-              <a:t>the scale factor (1000)</a:t>
-            </a:r>
-          </a:p>
-          <a:p>
-            <a:pPr lvl="1"/>
-            <a:r>
-              <a:rPr lang="en-GB" dirty="0" smtClean="0"/>
-              <a:t>the property being measured (electrical current)</a:t>
-            </a:r>
-          </a:p>
-          <a:p>
-            <a:pPr lvl="1"/>
-            <a:r>
-              <a:rPr lang="en-GB" dirty="0" smtClean="0"/>
-              <a:t>Conversion formulae between different units</a:t>
-            </a:r>
-          </a:p>
-          <a:p>
-            <a:r>
-              <a:rPr lang="en-GB" dirty="0" smtClean="0"/>
-              <a:t>Questions, e.g. relationship to QUDT, and whether the </a:t>
-            </a:r>
-            <a:r>
-              <a:rPr lang="en-GB" dirty="0" err="1" smtClean="0"/>
-              <a:t>WoT</a:t>
-            </a:r>
-            <a:r>
-              <a:rPr lang="en-GB" dirty="0" smtClean="0"/>
-              <a:t> IG should survey the needs for common domains, e.g. smart homes and make some recommendations for standardisation</a:t>
-            </a:r>
           </a:p>
         </p:txBody>
       </p:sp>
@@ -6523,10 +7387,466 @@
           </a:p>
         </p:txBody>
       </p:sp>
+      <p:sp>
+        <p:nvSpPr>
+          <p:cNvPr id="5" name="TextBox 4"/>
+          <p:cNvSpPr txBox="1"/>
+          <p:nvPr/>
+        </p:nvSpPr>
+        <p:spPr>
+          <a:xfrm>
+            <a:off x="373626" y="1150374"/>
+            <a:ext cx="4060722" cy="3785652"/>
+          </a:xfrm>
+          <a:prstGeom prst="rect">
+            <a:avLst/>
+          </a:prstGeom>
+          <a:noFill/>
+        </p:spPr>
+        <p:txBody>
+          <a:bodyPr wrap="square" rtlCol="0">
+            <a:spAutoFit/>
+          </a:bodyPr>
+          <a:lstStyle/>
+          <a:p>
+            <a:r>
+              <a:rPr lang="en-GB" sz="1200" dirty="0" smtClean="0"/>
+              <a:t>:</a:t>
+            </a:r>
+            <a:r>
+              <a:rPr lang="en-GB" sz="1200" dirty="0" err="1" smtClean="0"/>
+              <a:t>motionSensor</a:t>
+            </a:r>
+            <a:r>
+              <a:rPr lang="en-GB" sz="1200" dirty="0" smtClean="0"/>
+              <a:t> </a:t>
+            </a:r>
+            <a:r>
+              <a:rPr lang="en-GB" sz="1200" dirty="0" err="1" smtClean="0"/>
+              <a:t>rdfs:subClassOf</a:t>
+            </a:r>
+            <a:r>
+              <a:rPr lang="en-GB" sz="1200" dirty="0" smtClean="0"/>
+              <a:t> :sensor .</a:t>
+            </a:r>
+          </a:p>
+          <a:p>
+            <a:endParaRPr lang="en-GB" sz="1200" dirty="0" smtClean="0"/>
+          </a:p>
+          <a:p>
+            <a:r>
+              <a:rPr lang="en-GB" sz="1200" dirty="0" smtClean="0"/>
+              <a:t>:</a:t>
+            </a:r>
+            <a:r>
+              <a:rPr lang="en-GB" sz="1200" dirty="0" err="1" smtClean="0"/>
+              <a:t>motionSensor</a:t>
+            </a:r>
+            <a:r>
+              <a:rPr lang="en-GB" sz="1200" dirty="0" smtClean="0"/>
+              <a:t> </a:t>
+            </a:r>
+            <a:r>
+              <a:rPr lang="en-GB" sz="1200" dirty="0" err="1" smtClean="0"/>
+              <a:t>td:hasInteractlonModel</a:t>
+            </a:r>
+            <a:r>
+              <a:rPr lang="en-GB" sz="1200" dirty="0" smtClean="0"/>
+              <a:t> _:23 .</a:t>
+            </a:r>
+          </a:p>
+          <a:p>
+            <a:endParaRPr lang="en-GB" sz="1200" dirty="0"/>
+          </a:p>
+          <a:p>
+            <a:r>
+              <a:rPr lang="en-GB" sz="1200" dirty="0" smtClean="0"/>
+              <a:t>_:23 </a:t>
+            </a:r>
+            <a:r>
+              <a:rPr lang="en-GB" sz="1200" dirty="0" err="1" smtClean="0"/>
+              <a:t>td:hasProperty</a:t>
+            </a:r>
+            <a:r>
+              <a:rPr lang="en-GB" sz="1200" dirty="0" smtClean="0"/>
+              <a:t> _:31 , _:32 , _:33 .</a:t>
+            </a:r>
+          </a:p>
+          <a:p>
+            <a:endParaRPr lang="en-GB" sz="1200" dirty="0"/>
+          </a:p>
+          <a:p>
+            <a:r>
+              <a:rPr lang="en-GB" sz="1200" dirty="0" smtClean="0"/>
+              <a:t>_:31 </a:t>
+            </a:r>
+            <a:r>
+              <a:rPr lang="en-GB" sz="1200" dirty="0" err="1" smtClean="0"/>
+              <a:t>td:role</a:t>
+            </a:r>
+            <a:r>
+              <a:rPr lang="en-GB" sz="1200" dirty="0" smtClean="0"/>
+              <a:t> “value” ;</a:t>
+            </a:r>
+          </a:p>
+          <a:p>
+            <a:r>
+              <a:rPr lang="en-GB" sz="1200" dirty="0"/>
+              <a:t>	</a:t>
+            </a:r>
+            <a:r>
+              <a:rPr lang="en-GB" sz="1200" dirty="0" err="1" smtClean="0"/>
+              <a:t>rdfs:comment</a:t>
+            </a:r>
+            <a:r>
+              <a:rPr lang="en-GB" sz="1200" dirty="0" smtClean="0"/>
+              <a:t> “true if motion has been detected” ;</a:t>
+            </a:r>
+          </a:p>
+          <a:p>
+            <a:r>
+              <a:rPr lang="en-GB" sz="1200" dirty="0"/>
+              <a:t>	</a:t>
+            </a:r>
+            <a:r>
+              <a:rPr lang="en-GB" sz="1200" dirty="0" err="1" smtClean="0"/>
+              <a:t>td:type</a:t>
+            </a:r>
+            <a:r>
+              <a:rPr lang="en-GB" sz="1200" dirty="0" smtClean="0"/>
+              <a:t> </a:t>
+            </a:r>
+            <a:r>
+              <a:rPr lang="en-GB" sz="1200" dirty="0" err="1" smtClean="0"/>
+              <a:t>td:boolean</a:t>
+            </a:r>
+            <a:r>
+              <a:rPr lang="en-GB" sz="1200" dirty="0" smtClean="0"/>
+              <a:t> ;</a:t>
+            </a:r>
+          </a:p>
+          <a:p>
+            <a:r>
+              <a:rPr lang="en-GB" sz="1200" dirty="0"/>
+              <a:t>	</a:t>
+            </a:r>
+            <a:r>
+              <a:rPr lang="en-GB" sz="1200" dirty="0" err="1" smtClean="0"/>
+              <a:t>td:writeable</a:t>
+            </a:r>
+            <a:r>
+              <a:rPr lang="en-GB" sz="1200" dirty="0" smtClean="0"/>
+              <a:t> false .</a:t>
+            </a:r>
+          </a:p>
+          <a:p>
+            <a:endParaRPr lang="en-GB" sz="1200" dirty="0" smtClean="0"/>
+          </a:p>
+          <a:p>
+            <a:r>
+              <a:rPr lang="en-GB" sz="1200" dirty="0"/>
+              <a:t>_:32 </a:t>
+            </a:r>
+            <a:r>
+              <a:rPr lang="en-GB" sz="1200" dirty="0" err="1"/>
+              <a:t>td:role</a:t>
+            </a:r>
+            <a:r>
+              <a:rPr lang="en-GB" sz="1200" dirty="0"/>
+              <a:t> “</a:t>
+            </a:r>
+            <a:r>
+              <a:rPr lang="en-GB" sz="1200" dirty="0" err="1"/>
+              <a:t>minInterval</a:t>
+            </a:r>
+            <a:r>
+              <a:rPr lang="en-GB" sz="1200" dirty="0"/>
+              <a:t>” ;</a:t>
+            </a:r>
+          </a:p>
+          <a:p>
+            <a:r>
+              <a:rPr lang="en-GB" sz="1200" dirty="0"/>
+              <a:t>	</a:t>
+            </a:r>
+            <a:r>
+              <a:rPr lang="en-GB" sz="1200" dirty="0" err="1"/>
+              <a:t>rdfs:comment</a:t>
+            </a:r>
+            <a:r>
+              <a:rPr lang="en-GB" sz="1200" dirty="0"/>
+              <a:t> “minimum interval between alarms” ;</a:t>
+            </a:r>
+          </a:p>
+          <a:p>
+            <a:r>
+              <a:rPr lang="en-GB" sz="1200" dirty="0"/>
+              <a:t>	</a:t>
+            </a:r>
+            <a:r>
+              <a:rPr lang="en-GB" sz="1200" dirty="0" err="1"/>
+              <a:t>td:type</a:t>
+            </a:r>
+            <a:r>
+              <a:rPr lang="en-GB" sz="1200" dirty="0"/>
+              <a:t> </a:t>
+            </a:r>
+            <a:r>
+              <a:rPr lang="en-GB" sz="1200" dirty="0" err="1"/>
+              <a:t>td:integer</a:t>
+            </a:r>
+            <a:r>
+              <a:rPr lang="en-GB" sz="1200" dirty="0"/>
+              <a:t> ;</a:t>
+            </a:r>
+          </a:p>
+          <a:p>
+            <a:r>
+              <a:rPr lang="en-GB" sz="1200" dirty="0"/>
+              <a:t>	</a:t>
+            </a:r>
+            <a:r>
+              <a:rPr lang="en-GB" sz="1200" dirty="0" err="1"/>
+              <a:t>td:optional</a:t>
+            </a:r>
+            <a:r>
+              <a:rPr lang="en-GB" sz="1200" dirty="0"/>
+              <a:t> true .</a:t>
+            </a:r>
+          </a:p>
+          <a:p>
+            <a:endParaRPr lang="en-GB" sz="1200" dirty="0"/>
+          </a:p>
+          <a:p>
+            <a:r>
+              <a:rPr lang="en-GB" sz="1200" dirty="0"/>
+              <a:t>_:32 </a:t>
+            </a:r>
+            <a:r>
+              <a:rPr lang="en-GB" sz="1200" dirty="0" err="1"/>
+              <a:t>td:role</a:t>
+            </a:r>
+            <a:r>
+              <a:rPr lang="en-GB" sz="1200" dirty="0"/>
+              <a:t> </a:t>
+            </a:r>
+            <a:r>
+              <a:rPr lang="en-GB" sz="1200" dirty="0" smtClean="0"/>
+              <a:t>“sensitivity” </a:t>
+            </a:r>
+            <a:r>
+              <a:rPr lang="en-GB" sz="1200" dirty="0"/>
+              <a:t>;</a:t>
+            </a:r>
+          </a:p>
+          <a:p>
+            <a:r>
+              <a:rPr lang="en-GB" sz="1200" dirty="0"/>
+              <a:t>	</a:t>
+            </a:r>
+            <a:r>
+              <a:rPr lang="en-GB" sz="1200" dirty="0" err="1"/>
+              <a:t>rdfs:comment</a:t>
+            </a:r>
+            <a:r>
+              <a:rPr lang="en-GB" sz="1200" dirty="0"/>
+              <a:t> </a:t>
+            </a:r>
+            <a:r>
+              <a:rPr lang="en-GB" sz="1200" dirty="0" smtClean="0"/>
+              <a:t>“detector sensitivity” </a:t>
+            </a:r>
+            <a:r>
+              <a:rPr lang="en-GB" sz="1200" dirty="0"/>
+              <a:t>;</a:t>
+            </a:r>
+          </a:p>
+          <a:p>
+            <a:r>
+              <a:rPr lang="en-GB" sz="1200" dirty="0"/>
+              <a:t>	</a:t>
+            </a:r>
+            <a:r>
+              <a:rPr lang="en-GB" sz="1200" dirty="0" err="1"/>
+              <a:t>td:type</a:t>
+            </a:r>
+            <a:r>
+              <a:rPr lang="en-GB" sz="1200" dirty="0"/>
+              <a:t> </a:t>
+            </a:r>
+            <a:r>
+              <a:rPr lang="en-GB" sz="1200" dirty="0" err="1"/>
+              <a:t>td:integer</a:t>
+            </a:r>
+            <a:r>
+              <a:rPr lang="en-GB" sz="1200" dirty="0"/>
+              <a:t> ;</a:t>
+            </a:r>
+          </a:p>
+          <a:p>
+            <a:r>
+              <a:rPr lang="en-GB" sz="1200" dirty="0"/>
+              <a:t>	</a:t>
+            </a:r>
+            <a:r>
+              <a:rPr lang="en-GB" sz="1200" dirty="0" err="1"/>
+              <a:t>td:optional</a:t>
+            </a:r>
+            <a:r>
+              <a:rPr lang="en-GB" sz="1200" dirty="0"/>
+              <a:t> true </a:t>
+            </a:r>
+            <a:r>
+              <a:rPr lang="en-GB" sz="1200" dirty="0" smtClean="0"/>
+              <a:t>.</a:t>
+            </a:r>
+            <a:endParaRPr lang="en-GB" sz="1200" dirty="0"/>
+          </a:p>
+        </p:txBody>
+      </p:sp>
+      <p:sp>
+        <p:nvSpPr>
+          <p:cNvPr id="6" name="Content Placeholder 2"/>
+          <p:cNvSpPr>
+            <a:spLocks noGrp="1"/>
+          </p:cNvSpPr>
+          <p:nvPr>
+            <p:ph idx="1"/>
+          </p:nvPr>
+        </p:nvSpPr>
+        <p:spPr>
+          <a:xfrm>
+            <a:off x="4316360" y="1200151"/>
+            <a:ext cx="4370439" cy="3840956"/>
+          </a:xfrm>
+        </p:spPr>
+        <p:txBody>
+          <a:bodyPr>
+            <a:normAutofit fontScale="47500" lnSpcReduction="20000"/>
+          </a:bodyPr>
+          <a:lstStyle/>
+          <a:p>
+            <a:r>
+              <a:rPr lang="en-GB" dirty="0" smtClean="0"/>
+              <a:t>Importance of graphical representation</a:t>
+            </a:r>
+          </a:p>
+          <a:p>
+            <a:pPr lvl="1"/>
+            <a:r>
+              <a:rPr lang="en-GB" dirty="0" smtClean="0"/>
+              <a:t>As a tree of nodes and attributes</a:t>
+            </a:r>
+          </a:p>
+          <a:p>
+            <a:r>
+              <a:rPr lang="en-GB" dirty="0" err="1" smtClean="0"/>
+              <a:t>motionSensor</a:t>
+            </a:r>
+            <a:r>
+              <a:rPr lang="en-GB" dirty="0" smtClean="0"/>
+              <a:t> is a sub-class of “sensor”</a:t>
+            </a:r>
+          </a:p>
+          <a:p>
+            <a:r>
+              <a:rPr lang="en-GB" dirty="0" err="1" smtClean="0"/>
+              <a:t>motionSensor</a:t>
+            </a:r>
+            <a:r>
+              <a:rPr lang="en-GB" dirty="0" smtClean="0"/>
+              <a:t> has an interaction model</a:t>
+            </a:r>
+          </a:p>
+          <a:p>
+            <a:r>
+              <a:rPr lang="en-GB" dirty="0" smtClean="0"/>
+              <a:t>Each property is identified by a role</a:t>
+            </a:r>
+          </a:p>
+          <a:p>
+            <a:pPr lvl="1"/>
+            <a:r>
+              <a:rPr lang="en-GB" dirty="0" smtClean="0"/>
+              <a:t>A string literal</a:t>
+            </a:r>
+          </a:p>
+          <a:p>
+            <a:r>
+              <a:rPr lang="en-GB" dirty="0" smtClean="0"/>
+              <a:t>Properties may be required or optional</a:t>
+            </a:r>
+          </a:p>
+          <a:p>
+            <a:r>
+              <a:rPr lang="en-GB" dirty="0" smtClean="0"/>
+              <a:t>Properties may have metadata</a:t>
+            </a:r>
+          </a:p>
+          <a:p>
+            <a:r>
+              <a:rPr lang="en-GB" dirty="0" smtClean="0"/>
+              <a:t>Properties may have default names</a:t>
+            </a:r>
+          </a:p>
+          <a:p>
+            <a:r>
+              <a:rPr lang="en-GB" dirty="0" smtClean="0"/>
+              <a:t>This example needs extending to declare the units for </a:t>
+            </a:r>
+            <a:r>
+              <a:rPr lang="en-GB" dirty="0" err="1" smtClean="0"/>
+              <a:t>minInterval</a:t>
+            </a:r>
+            <a:r>
+              <a:rPr lang="en-GB" dirty="0" smtClean="0"/>
+              <a:t> and sensitivity</a:t>
+            </a:r>
+          </a:p>
+          <a:p>
+            <a:r>
+              <a:rPr lang="en-GB" dirty="0" smtClean="0"/>
+              <a:t>The semantic model can be validated against a specific interaction model</a:t>
+            </a:r>
+          </a:p>
+          <a:p>
+            <a:pPr lvl="1"/>
+            <a:r>
+              <a:rPr lang="en-GB" dirty="0" smtClean="0"/>
+              <a:t>Using a simple script and Linked Data library</a:t>
+            </a:r>
+            <a:endParaRPr lang="en-GB" dirty="0"/>
+          </a:p>
+          <a:p>
+            <a:r>
+              <a:rPr lang="en-GB" dirty="0" smtClean="0"/>
+              <a:t>Questions</a:t>
+            </a:r>
+          </a:p>
+          <a:p>
+            <a:pPr lvl="1"/>
+            <a:r>
+              <a:rPr lang="en-GB" dirty="0" smtClean="0"/>
+              <a:t>Would OWL be simpler or more complex?</a:t>
+            </a:r>
+          </a:p>
+          <a:p>
+            <a:pPr lvl="1"/>
+            <a:r>
+              <a:rPr lang="en-GB" dirty="0"/>
+              <a:t>W</a:t>
+            </a:r>
+            <a:r>
+              <a:rPr lang="en-GB" dirty="0" smtClean="0"/>
+              <a:t>hich requirements would OWL leave  unfulfilled?</a:t>
+            </a:r>
+          </a:p>
+        </p:txBody>
+      </p:sp>
     </p:spTree>
     <p:extLst>
       <p:ext uri="{BB962C8B-B14F-4D97-AF65-F5344CB8AC3E}">
-        <p14:creationId xmlns:p14="http://schemas.microsoft.com/office/powerpoint/2010/main" val="543835426"/>
+        <p14:creationId xmlns:p14="http://schemas.microsoft.com/office/powerpoint/2010/main" val="892470850"/>
       </p:ext>
     </p:extLst>
   </p:cSld>
@@ -6577,6 +7897,208 @@
           <a:p>
             <a:r>
               <a:rPr lang="en-GB" dirty="0" smtClean="0"/>
+              <a:t>Units of Measure</a:t>
+            </a:r>
+            <a:endParaRPr lang="en-GB" dirty="0"/>
+          </a:p>
+        </p:txBody>
+      </p:sp>
+      <p:sp>
+        <p:nvSpPr>
+          <p:cNvPr id="3" name="Content Placeholder 2"/>
+          <p:cNvSpPr>
+            <a:spLocks noGrp="1"/>
+          </p:cNvSpPr>
+          <p:nvPr>
+            <p:ph idx="1"/>
+          </p:nvPr>
+        </p:nvSpPr>
+        <p:spPr/>
+        <p:txBody>
+          <a:bodyPr>
+            <a:normAutofit fontScale="62500" lnSpcReduction="20000"/>
+          </a:bodyPr>
+          <a:lstStyle/>
+          <a:p>
+            <a:r>
+              <a:rPr lang="en-GB" dirty="0" smtClean="0"/>
+              <a:t>JSON context maps names to RDF concepts</a:t>
+            </a:r>
+          </a:p>
+          <a:p>
+            <a:pPr lvl="1"/>
+            <a:r>
+              <a:rPr lang="en-GB" dirty="0" smtClean="0"/>
+              <a:t>Local context to disambiguate short names</a:t>
+            </a:r>
+          </a:p>
+          <a:p>
+            <a:pPr lvl="2"/>
+            <a:r>
+              <a:rPr lang="en-GB" dirty="0" smtClean="0"/>
+              <a:t>mA for </a:t>
+            </a:r>
+            <a:r>
+              <a:rPr lang="en-GB" dirty="0" err="1" smtClean="0"/>
+              <a:t>milliamperes</a:t>
+            </a:r>
+            <a:endParaRPr lang="en-GB" dirty="0" smtClean="0"/>
+          </a:p>
+          <a:p>
+            <a:pPr lvl="2"/>
+            <a:r>
+              <a:rPr lang="en-GB" dirty="0" smtClean="0"/>
+              <a:t>Grouping by domain and system (e.g. SI vs Imperial)</a:t>
+            </a:r>
+          </a:p>
+          <a:p>
+            <a:r>
+              <a:rPr lang="en-GB" dirty="0" smtClean="0"/>
+              <a:t>RDF concept for combination of unit of measure and scale factor,</a:t>
+            </a:r>
+            <a:br>
+              <a:rPr lang="en-GB" dirty="0" smtClean="0"/>
+            </a:br>
+            <a:r>
+              <a:rPr lang="en-GB" dirty="0" smtClean="0"/>
+              <a:t>e.g. </a:t>
+            </a:r>
+            <a:r>
+              <a:rPr lang="en-GB" dirty="0" err="1" smtClean="0"/>
+              <a:t>milliamperes</a:t>
+            </a:r>
+            <a:r>
+              <a:rPr lang="en-GB" dirty="0" smtClean="0"/>
+              <a:t> (amperes x 1000)</a:t>
+            </a:r>
+          </a:p>
+          <a:p>
+            <a:r>
+              <a:rPr lang="en-GB" dirty="0" smtClean="0"/>
+              <a:t>Concept acts as link to further triples that identify</a:t>
+            </a:r>
+          </a:p>
+          <a:p>
+            <a:pPr lvl="1"/>
+            <a:r>
+              <a:rPr lang="en-GB" dirty="0" smtClean="0"/>
+              <a:t>the base unit (amperes)</a:t>
+            </a:r>
+          </a:p>
+          <a:p>
+            <a:pPr lvl="1"/>
+            <a:r>
+              <a:rPr lang="en-GB" dirty="0" smtClean="0"/>
+              <a:t>the scale factor (1000)</a:t>
+            </a:r>
+          </a:p>
+          <a:p>
+            <a:pPr lvl="1"/>
+            <a:r>
+              <a:rPr lang="en-GB" dirty="0" smtClean="0"/>
+              <a:t>the property being measured (electrical current)</a:t>
+            </a:r>
+          </a:p>
+          <a:p>
+            <a:pPr lvl="1"/>
+            <a:r>
+              <a:rPr lang="en-GB" dirty="0" smtClean="0"/>
+              <a:t>Conversion formulae between different units</a:t>
+            </a:r>
+          </a:p>
+          <a:p>
+            <a:r>
+              <a:rPr lang="en-GB" dirty="0" smtClean="0"/>
+              <a:t>Questions, e.g. relationship to QUDT, and whether the </a:t>
+            </a:r>
+            <a:r>
+              <a:rPr lang="en-GB" dirty="0" err="1" smtClean="0"/>
+              <a:t>WoT</a:t>
+            </a:r>
+            <a:r>
+              <a:rPr lang="en-GB" dirty="0" smtClean="0"/>
+              <a:t> IG should survey the needs for common domains, e.g. smart homes and make some recommendations for standardisation</a:t>
+            </a:r>
+          </a:p>
+        </p:txBody>
+      </p:sp>
+      <p:sp>
+        <p:nvSpPr>
+          <p:cNvPr id="4" name="Slide Number Placeholder 3"/>
+          <p:cNvSpPr>
+            <a:spLocks noGrp="1"/>
+          </p:cNvSpPr>
+          <p:nvPr>
+            <p:ph type="sldNum" sz="quarter" idx="12"/>
+          </p:nvPr>
+        </p:nvSpPr>
+        <p:spPr/>
+        <p:txBody>
+          <a:bodyPr/>
+          <a:lstStyle/>
+          <a:p>
+            <a:fld id="{F558E1C9-ACA8-C844-BF9D-B5BFB8FAABAF}" type="slidenum">
+              <a:rPr lang="en-US" smtClean="0"/>
+              <a:t>21</a:t>
+            </a:fld>
+            <a:endParaRPr lang="en-US"/>
+          </a:p>
+        </p:txBody>
+      </p:sp>
+    </p:spTree>
+    <p:extLst>
+      <p:ext uri="{BB962C8B-B14F-4D97-AF65-F5344CB8AC3E}">
+        <p14:creationId xmlns:p14="http://schemas.microsoft.com/office/powerpoint/2010/main" val="543835426"/>
+      </p:ext>
+    </p:extLst>
+  </p:cSld>
+  <p:clrMapOvr>
+    <a:masterClrMapping/>
+  </p:clrMapOvr>
+  <p:timing>
+    <p:tnLst>
+      <p:par>
+        <p:cTn id="1" dur="indefinite" restart="never" nodeType="tmRoot"/>
+      </p:par>
+    </p:tnLst>
+  </p:timing>
+</p:sld>
+</file>
+
+<file path=ppt/slides/slide22.xml><?xml version="1.0" encoding="utf-8"?>
+<p:sld xmlns:a="http://schemas.openxmlformats.org/drawingml/2006/main" xmlns:r="http://schemas.openxmlformats.org/officeDocument/2006/relationships" xmlns:p="http://schemas.openxmlformats.org/presentationml/2006/main">
+  <p:cSld>
+    <p:spTree>
+      <p:nvGrpSpPr>
+        <p:cNvPr id="1" name=""/>
+        <p:cNvGrpSpPr/>
+        <p:nvPr/>
+      </p:nvGrpSpPr>
+      <p:grpSpPr>
+        <a:xfrm>
+          <a:off x="0" y="0"/>
+          <a:ext cx="0" cy="0"/>
+          <a:chOff x="0" y="0"/>
+          <a:chExt cx="0" cy="0"/>
+        </a:xfrm>
+      </p:grpSpPr>
+      <p:sp>
+        <p:nvSpPr>
+          <p:cNvPr id="2" name="Title 1"/>
+          <p:cNvSpPr>
+            <a:spLocks noGrp="1"/>
+          </p:cNvSpPr>
+          <p:nvPr>
+            <p:ph type="title"/>
+          </p:nvPr>
+        </p:nvSpPr>
+        <p:spPr/>
+        <p:txBody>
+          <a:bodyPr/>
+          <a:lstStyle/>
+          <a:p>
+            <a:r>
+              <a:rPr lang="en-GB" dirty="0" smtClean="0"/>
               <a:t>Epilogue </a:t>
             </a:r>
             <a:r>
@@ -6712,7 +8234,7 @@
           <a:p>
             <a:fld id="{F558E1C9-ACA8-C844-BF9D-B5BFB8FAABAF}" type="slidenum">
               <a:rPr lang="en-US" smtClean="0"/>
-              <a:t>21</a:t>
+              <a:t>22</a:t>
             </a:fld>
             <a:endParaRPr lang="en-US"/>
           </a:p>
@@ -6798,7 +8320,7 @@
 </p:sld>
 </file>
 
-<file path=ppt/slides/slide22.xml><?xml version="1.0" encoding="utf-8"?>
+<file path=ppt/slides/slide23.xml><?xml version="1.0" encoding="utf-8"?>
 <p:sld xmlns:a="http://schemas.openxmlformats.org/drawingml/2006/main" xmlns:r="http://schemas.openxmlformats.org/officeDocument/2006/relationships" xmlns:p="http://schemas.openxmlformats.org/presentationml/2006/main">
   <p:cSld>
     <p:spTree>
@@ -6825,6 +8347,1427 @@
             <p:ph type="title"/>
           </p:nvPr>
         </p:nvSpPr>
+        <p:spPr/>
+        <p:txBody>
+          <a:bodyPr/>
+          <a:lstStyle/>
+          <a:p>
+            <a:r>
+              <a:rPr lang="en-GB" dirty="0" smtClean="0"/>
+              <a:t>Summary of TF-LD session</a:t>
+            </a:r>
+            <a:endParaRPr lang="en-GB" dirty="0"/>
+          </a:p>
+        </p:txBody>
+      </p:sp>
+      <p:sp>
+        <p:nvSpPr>
+          <p:cNvPr id="3" name="Content Placeholder 2"/>
+          <p:cNvSpPr>
+            <a:spLocks noGrp="1"/>
+          </p:cNvSpPr>
+          <p:nvPr>
+            <p:ph idx="1"/>
+          </p:nvPr>
+        </p:nvSpPr>
+        <p:spPr>
+          <a:xfrm>
+            <a:off x="119641" y="1200151"/>
+            <a:ext cx="4265501" cy="3840956"/>
+          </a:xfrm>
+        </p:spPr>
+        <p:txBody>
+          <a:bodyPr>
+            <a:normAutofit fontScale="47500" lnSpcReduction="20000"/>
+          </a:bodyPr>
+          <a:lstStyle/>
+          <a:p>
+            <a:r>
+              <a:rPr lang="en-GB" dirty="0" smtClean="0"/>
+              <a:t>We focused on relationship between interaction models and semantic models, and a scalable approach based upon commercial reality</a:t>
+            </a:r>
+          </a:p>
+          <a:p>
+            <a:pPr lvl="1"/>
+            <a:r>
+              <a:rPr lang="en-GB" dirty="0" smtClean="0"/>
+              <a:t>SDO’s won’t fully converge</a:t>
+            </a:r>
+          </a:p>
+          <a:p>
+            <a:pPr lvl="1"/>
+            <a:r>
+              <a:rPr lang="en-GB" dirty="0" smtClean="0"/>
+              <a:t>Vendors need to differentiate</a:t>
+            </a:r>
+          </a:p>
+          <a:p>
+            <a:pPr lvl="1"/>
+            <a:r>
+              <a:rPr lang="en-GB" dirty="0" smtClean="0"/>
+              <a:t>Thus need for bridging ontologies</a:t>
+            </a:r>
+          </a:p>
+          <a:p>
+            <a:pPr lvl="1"/>
+            <a:r>
+              <a:rPr lang="en-GB" dirty="0" smtClean="0"/>
+              <a:t>W3C to define framework for linking to semantic models, and building a shared </a:t>
+            </a:r>
+            <a:r>
+              <a:rPr lang="en-GB" dirty="0" err="1" smtClean="0"/>
+              <a:t>mindset</a:t>
+            </a:r>
+            <a:r>
+              <a:rPr lang="en-GB" dirty="0" smtClean="0"/>
+              <a:t> across SDOs and </a:t>
+            </a:r>
+            <a:r>
+              <a:rPr lang="en-GB" dirty="0" err="1" smtClean="0"/>
+              <a:t>IoT</a:t>
+            </a:r>
+            <a:r>
+              <a:rPr lang="en-GB" dirty="0" smtClean="0"/>
+              <a:t> communities</a:t>
+            </a:r>
+          </a:p>
+          <a:p>
+            <a:pPr lvl="1"/>
+            <a:r>
+              <a:rPr lang="en-GB" dirty="0" smtClean="0"/>
+              <a:t>Looking forward to </a:t>
+            </a:r>
+            <a:r>
+              <a:rPr lang="en-GB" smtClean="0"/>
+              <a:t>exploring greater use </a:t>
+            </a:r>
+            <a:r>
+              <a:rPr lang="en-GB" dirty="0" smtClean="0"/>
+              <a:t>of semantic technologies in future </a:t>
+            </a:r>
+            <a:r>
+              <a:rPr lang="en-GB" dirty="0" err="1" smtClean="0"/>
+              <a:t>plugfests</a:t>
+            </a:r>
+            <a:endParaRPr lang="en-GB" dirty="0" smtClean="0"/>
+          </a:p>
+          <a:p>
+            <a:r>
+              <a:rPr lang="en-GB" dirty="0" smtClean="0"/>
+              <a:t>We had a valuable discussion and the task force chairs will now work on a plan for a roadmap with clearly defined short term goals in the run up to the next Face to Face</a:t>
+            </a:r>
+          </a:p>
+          <a:p>
+            <a:r>
+              <a:rPr lang="en-GB" dirty="0" smtClean="0"/>
+              <a:t>This includes a study of existing work, draft ontologies* for OCF, </a:t>
+            </a:r>
+            <a:r>
+              <a:rPr lang="en-GB" dirty="0" err="1" smtClean="0"/>
+              <a:t>ECHOnet</a:t>
+            </a:r>
+            <a:r>
+              <a:rPr lang="en-GB" dirty="0"/>
+              <a:t> &amp;</a:t>
+            </a:r>
+            <a:r>
+              <a:rPr lang="en-GB" dirty="0" smtClean="0"/>
+              <a:t> OPC, tooling, and opportunities for W3C to define APIs for accessing semantic context</a:t>
+            </a:r>
+          </a:p>
+          <a:p>
+            <a:pPr lvl="1"/>
+            <a:endParaRPr lang="en-GB" dirty="0"/>
+          </a:p>
+        </p:txBody>
+      </p:sp>
+      <p:sp>
+        <p:nvSpPr>
+          <p:cNvPr id="4" name="Slide Number Placeholder 3"/>
+          <p:cNvSpPr>
+            <a:spLocks noGrp="1"/>
+          </p:cNvSpPr>
+          <p:nvPr>
+            <p:ph type="sldNum" sz="quarter" idx="12"/>
+          </p:nvPr>
+        </p:nvSpPr>
+        <p:spPr/>
+        <p:txBody>
+          <a:bodyPr/>
+          <a:lstStyle/>
+          <a:p>
+            <a:fld id="{F558E1C9-ACA8-C844-BF9D-B5BFB8FAABAF}" type="slidenum">
+              <a:rPr lang="en-US" smtClean="0"/>
+              <a:t>23</a:t>
+            </a:fld>
+            <a:endParaRPr lang="en-US"/>
+          </a:p>
+        </p:txBody>
+      </p:sp>
+      <p:grpSp>
+        <p:nvGrpSpPr>
+          <p:cNvPr id="5" name="Group 4"/>
+          <p:cNvGrpSpPr/>
+          <p:nvPr/>
+        </p:nvGrpSpPr>
+        <p:grpSpPr>
+          <a:xfrm>
+            <a:off x="4419879" y="1475678"/>
+            <a:ext cx="4608475" cy="3032963"/>
+            <a:chOff x="2085174" y="1734300"/>
+            <a:chExt cx="4608475" cy="3032963"/>
+          </a:xfrm>
+        </p:grpSpPr>
+        <p:sp>
+          <p:nvSpPr>
+            <p:cNvPr id="6" name="Hexagon 5"/>
+            <p:cNvSpPr/>
+            <p:nvPr/>
+          </p:nvSpPr>
+          <p:spPr>
+            <a:xfrm>
+              <a:off x="5078871" y="3133082"/>
+              <a:ext cx="1178780" cy="821626"/>
+            </a:xfrm>
+            <a:prstGeom prst="hexagon">
+              <a:avLst/>
+            </a:prstGeom>
+            <a:gradFill flip="none" rotWithShape="1">
+              <a:gsLst>
+                <a:gs pos="0">
+                  <a:schemeClr val="accent1">
+                    <a:lumMod val="67000"/>
+                  </a:schemeClr>
+                </a:gs>
+                <a:gs pos="48000">
+                  <a:schemeClr val="accent1">
+                    <a:lumMod val="97000"/>
+                    <a:lumOff val="3000"/>
+                  </a:schemeClr>
+                </a:gs>
+                <a:gs pos="100000">
+                  <a:schemeClr val="accent1">
+                    <a:lumMod val="60000"/>
+                    <a:lumOff val="40000"/>
+                  </a:schemeClr>
+                </a:gs>
+              </a:gsLst>
+              <a:lin ang="16200000" scaled="1"/>
+              <a:tileRect/>
+            </a:gradFill>
+          </p:spPr>
+          <p:style>
+            <a:lnRef idx="1">
+              <a:schemeClr val="accent1"/>
+            </a:lnRef>
+            <a:fillRef idx="3">
+              <a:schemeClr val="accent1"/>
+            </a:fillRef>
+            <a:effectRef idx="2">
+              <a:schemeClr val="accent1"/>
+            </a:effectRef>
+            <a:fontRef idx="minor">
+              <a:schemeClr val="lt1"/>
+            </a:fontRef>
+          </p:style>
+          <p:txBody>
+            <a:bodyPr rtlCol="0" anchor="ctr"/>
+            <a:lstStyle/>
+            <a:p>
+              <a:pPr algn="ctr"/>
+              <a:r>
+                <a:rPr lang="en-GB" sz="900" dirty="0" err="1" smtClean="0"/>
+                <a:t>motionSensor</a:t>
+              </a:r>
+              <a:endParaRPr lang="en-GB" sz="900" dirty="0"/>
+            </a:p>
+          </p:txBody>
+        </p:sp>
+        <p:sp>
+          <p:nvSpPr>
+            <p:cNvPr id="7" name="Hexagon 6"/>
+            <p:cNvSpPr/>
+            <p:nvPr/>
+          </p:nvSpPr>
+          <p:spPr>
+            <a:xfrm>
+              <a:off x="5301837" y="2204663"/>
+              <a:ext cx="713828" cy="572337"/>
+            </a:xfrm>
+            <a:prstGeom prst="hexagon">
+              <a:avLst/>
+            </a:prstGeom>
+            <a:gradFill flip="none" rotWithShape="1">
+              <a:gsLst>
+                <a:gs pos="0">
+                  <a:schemeClr val="accent1">
+                    <a:lumMod val="67000"/>
+                  </a:schemeClr>
+                </a:gs>
+                <a:gs pos="48000">
+                  <a:schemeClr val="accent1">
+                    <a:lumMod val="97000"/>
+                    <a:lumOff val="3000"/>
+                  </a:schemeClr>
+                </a:gs>
+                <a:gs pos="100000">
+                  <a:schemeClr val="accent1">
+                    <a:lumMod val="60000"/>
+                    <a:lumOff val="40000"/>
+                  </a:schemeClr>
+                </a:gs>
+              </a:gsLst>
+              <a:lin ang="16200000" scaled="1"/>
+              <a:tileRect/>
+            </a:gradFill>
+          </p:spPr>
+          <p:style>
+            <a:lnRef idx="1">
+              <a:schemeClr val="accent1"/>
+            </a:lnRef>
+            <a:fillRef idx="3">
+              <a:schemeClr val="accent1"/>
+            </a:fillRef>
+            <a:effectRef idx="2">
+              <a:schemeClr val="accent1"/>
+            </a:effectRef>
+            <a:fontRef idx="minor">
+              <a:schemeClr val="lt1"/>
+            </a:fontRef>
+          </p:style>
+          <p:txBody>
+            <a:bodyPr rtlCol="0" anchor="ctr"/>
+            <a:lstStyle/>
+            <a:p>
+              <a:pPr algn="ctr"/>
+              <a:r>
+                <a:rPr lang="en-GB" sz="900" dirty="0" smtClean="0"/>
+                <a:t>sensor</a:t>
+              </a:r>
+              <a:endParaRPr lang="en-GB" sz="900" dirty="0"/>
+            </a:p>
+          </p:txBody>
+        </p:sp>
+        <p:cxnSp>
+          <p:nvCxnSpPr>
+            <p:cNvPr id="8" name="Straight Arrow Connector 7"/>
+            <p:cNvCxnSpPr/>
+            <p:nvPr/>
+          </p:nvCxnSpPr>
+          <p:spPr>
+            <a:xfrm>
+              <a:off x="5666196" y="2777000"/>
+              <a:ext cx="0" cy="356082"/>
+            </a:xfrm>
+            <a:prstGeom prst="straightConnector1">
+              <a:avLst/>
+            </a:prstGeom>
+            <a:ln>
+              <a:tailEnd type="triangle"/>
+            </a:ln>
+          </p:spPr>
+          <p:style>
+            <a:lnRef idx="2">
+              <a:schemeClr val="accent1"/>
+            </a:lnRef>
+            <a:fillRef idx="0">
+              <a:schemeClr val="accent1"/>
+            </a:fillRef>
+            <a:effectRef idx="1">
+              <a:schemeClr val="accent1"/>
+            </a:effectRef>
+            <a:fontRef idx="minor">
+              <a:schemeClr val="tx1"/>
+            </a:fontRef>
+          </p:style>
+        </p:cxnSp>
+        <p:sp>
+          <p:nvSpPr>
+            <p:cNvPr id="9" name="TextBox 8"/>
+            <p:cNvSpPr txBox="1"/>
+            <p:nvPr/>
+          </p:nvSpPr>
+          <p:spPr>
+            <a:xfrm>
+              <a:off x="5637528" y="2834149"/>
+              <a:ext cx="579005" cy="230832"/>
+            </a:xfrm>
+            <a:prstGeom prst="rect">
+              <a:avLst/>
+            </a:prstGeom>
+            <a:noFill/>
+          </p:spPr>
+          <p:txBody>
+            <a:bodyPr wrap="none" rtlCol="0">
+              <a:spAutoFit/>
+            </a:bodyPr>
+            <a:lstStyle/>
+            <a:p>
+              <a:r>
+                <a:rPr lang="en-GB" sz="900" dirty="0" smtClean="0"/>
+                <a:t>Subclass</a:t>
+              </a:r>
+              <a:endParaRPr lang="en-GB" sz="900" dirty="0"/>
+            </a:p>
+          </p:txBody>
+        </p:sp>
+        <p:sp>
+          <p:nvSpPr>
+            <p:cNvPr id="10" name="Rectangle 9"/>
+            <p:cNvSpPr/>
+            <p:nvPr/>
+          </p:nvSpPr>
+          <p:spPr>
+            <a:xfrm>
+              <a:off x="4455704" y="4352192"/>
+              <a:ext cx="563345" cy="415071"/>
+            </a:xfrm>
+            <a:prstGeom prst="rect">
+              <a:avLst/>
+            </a:prstGeom>
+          </p:spPr>
+          <p:style>
+            <a:lnRef idx="1">
+              <a:schemeClr val="accent1"/>
+            </a:lnRef>
+            <a:fillRef idx="3">
+              <a:schemeClr val="accent1"/>
+            </a:fillRef>
+            <a:effectRef idx="2">
+              <a:schemeClr val="accent1"/>
+            </a:effectRef>
+            <a:fontRef idx="minor">
+              <a:schemeClr val="lt1"/>
+            </a:fontRef>
+          </p:style>
+          <p:txBody>
+            <a:bodyPr rtlCol="0" anchor="ctr"/>
+            <a:lstStyle/>
+            <a:p>
+              <a:pPr algn="ctr"/>
+              <a:r>
+                <a:rPr lang="en-GB" sz="900" dirty="0" smtClean="0"/>
+                <a:t>value</a:t>
+              </a:r>
+              <a:endParaRPr lang="en-GB" sz="900" dirty="0"/>
+            </a:p>
+          </p:txBody>
+        </p:sp>
+        <p:sp>
+          <p:nvSpPr>
+            <p:cNvPr id="11" name="Rectangle 10"/>
+            <p:cNvSpPr/>
+            <p:nvPr/>
+          </p:nvSpPr>
+          <p:spPr>
+            <a:xfrm>
+              <a:off x="5124515" y="4352192"/>
+              <a:ext cx="754985" cy="415071"/>
+            </a:xfrm>
+            <a:prstGeom prst="rect">
+              <a:avLst/>
+            </a:prstGeom>
+          </p:spPr>
+          <p:style>
+            <a:lnRef idx="1">
+              <a:schemeClr val="accent1"/>
+            </a:lnRef>
+            <a:fillRef idx="3">
+              <a:schemeClr val="accent1"/>
+            </a:fillRef>
+            <a:effectRef idx="2">
+              <a:schemeClr val="accent1"/>
+            </a:effectRef>
+            <a:fontRef idx="minor">
+              <a:schemeClr val="lt1"/>
+            </a:fontRef>
+          </p:style>
+          <p:txBody>
+            <a:bodyPr rtlCol="0" anchor="ctr"/>
+            <a:lstStyle/>
+            <a:p>
+              <a:pPr algn="ctr"/>
+              <a:r>
+                <a:rPr lang="en-GB" sz="900" smtClean="0"/>
+                <a:t>minInterval</a:t>
+              </a:r>
+              <a:endParaRPr lang="en-GB" sz="900" dirty="0"/>
+            </a:p>
+          </p:txBody>
+        </p:sp>
+        <p:sp>
+          <p:nvSpPr>
+            <p:cNvPr id="12" name="Rectangle 11"/>
+            <p:cNvSpPr/>
+            <p:nvPr/>
+          </p:nvSpPr>
+          <p:spPr>
+            <a:xfrm>
+              <a:off x="5975963" y="4352192"/>
+              <a:ext cx="717686" cy="415071"/>
+            </a:xfrm>
+            <a:prstGeom prst="rect">
+              <a:avLst/>
+            </a:prstGeom>
+          </p:spPr>
+          <p:style>
+            <a:lnRef idx="1">
+              <a:schemeClr val="accent1"/>
+            </a:lnRef>
+            <a:fillRef idx="3">
+              <a:schemeClr val="accent1"/>
+            </a:fillRef>
+            <a:effectRef idx="2">
+              <a:schemeClr val="accent1"/>
+            </a:effectRef>
+            <a:fontRef idx="minor">
+              <a:schemeClr val="lt1"/>
+            </a:fontRef>
+          </p:style>
+          <p:txBody>
+            <a:bodyPr rtlCol="0" anchor="ctr"/>
+            <a:lstStyle/>
+            <a:p>
+              <a:pPr algn="ctr"/>
+              <a:r>
+                <a:rPr lang="en-GB" sz="900" smtClean="0"/>
+                <a:t>sensitivity</a:t>
+              </a:r>
+              <a:endParaRPr lang="en-GB" sz="900" dirty="0"/>
+            </a:p>
+          </p:txBody>
+        </p:sp>
+        <p:cxnSp>
+          <p:nvCxnSpPr>
+            <p:cNvPr id="13" name="Straight Arrow Connector 12"/>
+            <p:cNvCxnSpPr/>
+            <p:nvPr/>
+          </p:nvCxnSpPr>
+          <p:spPr>
+            <a:xfrm flipH="1">
+              <a:off x="4826124" y="3964926"/>
+              <a:ext cx="817198" cy="387265"/>
+            </a:xfrm>
+            <a:prstGeom prst="straightConnector1">
+              <a:avLst/>
+            </a:prstGeom>
+            <a:ln>
+              <a:tailEnd type="triangle"/>
+            </a:ln>
+          </p:spPr>
+          <p:style>
+            <a:lnRef idx="2">
+              <a:schemeClr val="accent1"/>
+            </a:lnRef>
+            <a:fillRef idx="0">
+              <a:schemeClr val="accent1"/>
+            </a:fillRef>
+            <a:effectRef idx="1">
+              <a:schemeClr val="accent1"/>
+            </a:effectRef>
+            <a:fontRef idx="minor">
+              <a:schemeClr val="tx1"/>
+            </a:fontRef>
+          </p:style>
+        </p:cxnSp>
+        <p:cxnSp>
+          <p:nvCxnSpPr>
+            <p:cNvPr id="14" name="Straight Arrow Connector 13"/>
+            <p:cNvCxnSpPr/>
+            <p:nvPr/>
+          </p:nvCxnSpPr>
+          <p:spPr>
+            <a:xfrm>
+              <a:off x="5664379" y="3954708"/>
+              <a:ext cx="0" cy="397483"/>
+            </a:xfrm>
+            <a:prstGeom prst="straightConnector1">
+              <a:avLst/>
+            </a:prstGeom>
+            <a:ln>
+              <a:tailEnd type="triangle"/>
+            </a:ln>
+          </p:spPr>
+          <p:style>
+            <a:lnRef idx="2">
+              <a:schemeClr val="accent1"/>
+            </a:lnRef>
+            <a:fillRef idx="0">
+              <a:schemeClr val="accent1"/>
+            </a:fillRef>
+            <a:effectRef idx="1">
+              <a:schemeClr val="accent1"/>
+            </a:effectRef>
+            <a:fontRef idx="minor">
+              <a:schemeClr val="tx1"/>
+            </a:fontRef>
+          </p:style>
+        </p:cxnSp>
+        <p:cxnSp>
+          <p:nvCxnSpPr>
+            <p:cNvPr id="15" name="Straight Arrow Connector 14"/>
+            <p:cNvCxnSpPr/>
+            <p:nvPr/>
+          </p:nvCxnSpPr>
+          <p:spPr>
+            <a:xfrm>
+              <a:off x="5664379" y="3954708"/>
+              <a:ext cx="832799" cy="397483"/>
+            </a:xfrm>
+            <a:prstGeom prst="straightConnector1">
+              <a:avLst/>
+            </a:prstGeom>
+            <a:ln>
+              <a:tailEnd type="triangle"/>
+            </a:ln>
+          </p:spPr>
+          <p:style>
+            <a:lnRef idx="2">
+              <a:schemeClr val="accent1"/>
+            </a:lnRef>
+            <a:fillRef idx="0">
+              <a:schemeClr val="accent1"/>
+            </a:fillRef>
+            <a:effectRef idx="1">
+              <a:schemeClr val="accent1"/>
+            </a:effectRef>
+            <a:fontRef idx="minor">
+              <a:schemeClr val="tx1"/>
+            </a:fontRef>
+          </p:style>
+        </p:cxnSp>
+        <p:sp>
+          <p:nvSpPr>
+            <p:cNvPr id="16" name="TextBox 15"/>
+            <p:cNvSpPr txBox="1"/>
+            <p:nvPr/>
+          </p:nvSpPr>
+          <p:spPr>
+            <a:xfrm>
+              <a:off x="6028412" y="3934232"/>
+              <a:ext cx="659155" cy="230832"/>
+            </a:xfrm>
+            <a:prstGeom prst="rect">
+              <a:avLst/>
+            </a:prstGeom>
+            <a:noFill/>
+          </p:spPr>
+          <p:txBody>
+            <a:bodyPr wrap="none" rtlCol="0">
+              <a:spAutoFit/>
+            </a:bodyPr>
+            <a:lstStyle/>
+            <a:p>
+              <a:r>
+                <a:rPr lang="en-GB" sz="900" dirty="0" smtClean="0"/>
+                <a:t>Attributes</a:t>
+              </a:r>
+              <a:endParaRPr lang="en-GB" sz="900" dirty="0"/>
+            </a:p>
+          </p:txBody>
+        </p:sp>
+        <p:cxnSp>
+          <p:nvCxnSpPr>
+            <p:cNvPr id="17" name="Curved Connector 16"/>
+            <p:cNvCxnSpPr/>
+            <p:nvPr/>
+          </p:nvCxnSpPr>
+          <p:spPr>
+            <a:xfrm>
+              <a:off x="3876197" y="3400100"/>
+              <a:ext cx="1112840" cy="351759"/>
+            </a:xfrm>
+            <a:prstGeom prst="curvedConnector3">
+              <a:avLst/>
+            </a:prstGeom>
+            <a:ln>
+              <a:solidFill>
+                <a:srgbClr val="FF0000"/>
+              </a:solidFill>
+              <a:tailEnd type="triangle" w="lg" len="lg"/>
+            </a:ln>
+          </p:spPr>
+          <p:style>
+            <a:lnRef idx="2">
+              <a:schemeClr val="accent1"/>
+            </a:lnRef>
+            <a:fillRef idx="0">
+              <a:schemeClr val="accent1"/>
+            </a:fillRef>
+            <a:effectRef idx="1">
+              <a:schemeClr val="accent1"/>
+            </a:effectRef>
+            <a:fontRef idx="minor">
+              <a:schemeClr val="tx1"/>
+            </a:fontRef>
+          </p:style>
+        </p:cxnSp>
+        <p:sp>
+          <p:nvSpPr>
+            <p:cNvPr id="18" name="TextBox 17"/>
+            <p:cNvSpPr txBox="1"/>
+            <p:nvPr/>
+          </p:nvSpPr>
+          <p:spPr>
+            <a:xfrm>
+              <a:off x="3969202" y="2347642"/>
+              <a:ext cx="697070" cy="230832"/>
+            </a:xfrm>
+            <a:prstGeom prst="rect">
+              <a:avLst/>
+            </a:prstGeom>
+            <a:noFill/>
+          </p:spPr>
+          <p:txBody>
+            <a:bodyPr wrap="square" rtlCol="0">
+              <a:spAutoFit/>
+            </a:bodyPr>
+            <a:lstStyle/>
+            <a:p>
+              <a:pPr algn="ctr"/>
+              <a:r>
+                <a:rPr lang="en-GB" sz="900" dirty="0" smtClean="0"/>
+                <a:t>Mapping</a:t>
+              </a:r>
+              <a:endParaRPr lang="en-GB" sz="900" dirty="0"/>
+            </a:p>
+          </p:txBody>
+        </p:sp>
+        <p:sp>
+          <p:nvSpPr>
+            <p:cNvPr id="19" name="TextBox 18"/>
+            <p:cNvSpPr txBox="1"/>
+            <p:nvPr/>
+          </p:nvSpPr>
+          <p:spPr>
+            <a:xfrm>
+              <a:off x="2412204" y="1769273"/>
+              <a:ext cx="1379060" cy="230832"/>
+            </a:xfrm>
+            <a:prstGeom prst="rect">
+              <a:avLst/>
+            </a:prstGeom>
+            <a:solidFill>
+              <a:schemeClr val="bg2"/>
+            </a:solidFill>
+          </p:spPr>
+          <p:txBody>
+            <a:bodyPr wrap="square" rtlCol="0">
+              <a:spAutoFit/>
+            </a:bodyPr>
+            <a:lstStyle/>
+            <a:p>
+              <a:pPr algn="ctr"/>
+              <a:r>
+                <a:rPr lang="en-GB" sz="900" smtClean="0"/>
+                <a:t>Interaction Model</a:t>
+              </a:r>
+              <a:endParaRPr lang="en-GB" sz="900" dirty="0"/>
+            </a:p>
+          </p:txBody>
+        </p:sp>
+        <p:sp>
+          <p:nvSpPr>
+            <p:cNvPr id="20" name="TextBox 19"/>
+            <p:cNvSpPr txBox="1"/>
+            <p:nvPr/>
+          </p:nvSpPr>
+          <p:spPr>
+            <a:xfrm>
+              <a:off x="5078698" y="1734300"/>
+              <a:ext cx="1057553" cy="230832"/>
+            </a:xfrm>
+            <a:prstGeom prst="rect">
+              <a:avLst/>
+            </a:prstGeom>
+            <a:solidFill>
+              <a:schemeClr val="bg2"/>
+            </a:solidFill>
+          </p:spPr>
+          <p:txBody>
+            <a:bodyPr wrap="square" rtlCol="0">
+              <a:spAutoFit/>
+            </a:bodyPr>
+            <a:lstStyle/>
+            <a:p>
+              <a:pPr algn="ctr"/>
+              <a:r>
+                <a:rPr lang="en-GB" sz="900" dirty="0" smtClean="0"/>
+                <a:t>Semantic Model</a:t>
+              </a:r>
+              <a:endParaRPr lang="en-GB" sz="900" dirty="0"/>
+            </a:p>
+          </p:txBody>
+        </p:sp>
+        <p:sp>
+          <p:nvSpPr>
+            <p:cNvPr id="21" name="Oval 20"/>
+            <p:cNvSpPr/>
+            <p:nvPr/>
+          </p:nvSpPr>
+          <p:spPr>
+            <a:xfrm>
+              <a:off x="2460114" y="3345229"/>
+              <a:ext cx="1462174" cy="590190"/>
+            </a:xfrm>
+            <a:prstGeom prst="ellipse">
+              <a:avLst/>
+            </a:prstGeom>
+            <a:gradFill flip="none" rotWithShape="1">
+              <a:gsLst>
+                <a:gs pos="0">
+                  <a:schemeClr val="accent2">
+                    <a:lumMod val="67000"/>
+                  </a:schemeClr>
+                </a:gs>
+                <a:gs pos="48000">
+                  <a:schemeClr val="accent2">
+                    <a:lumMod val="97000"/>
+                    <a:lumOff val="3000"/>
+                  </a:schemeClr>
+                </a:gs>
+                <a:gs pos="100000">
+                  <a:schemeClr val="accent2">
+                    <a:lumMod val="60000"/>
+                    <a:lumOff val="40000"/>
+                  </a:schemeClr>
+                </a:gs>
+              </a:gsLst>
+              <a:lin ang="16200000" scaled="1"/>
+              <a:tileRect/>
+            </a:gradFill>
+          </p:spPr>
+          <p:style>
+            <a:lnRef idx="1">
+              <a:schemeClr val="accent1"/>
+            </a:lnRef>
+            <a:fillRef idx="3">
+              <a:schemeClr val="accent1"/>
+            </a:fillRef>
+            <a:effectRef idx="2">
+              <a:schemeClr val="accent1"/>
+            </a:effectRef>
+            <a:fontRef idx="minor">
+              <a:schemeClr val="lt1"/>
+            </a:fontRef>
+          </p:style>
+          <p:txBody>
+            <a:bodyPr rtlCol="0" anchor="ctr"/>
+            <a:lstStyle/>
+            <a:p>
+              <a:pPr algn="ctr"/>
+              <a:r>
+                <a:rPr lang="en-GB" sz="900" dirty="0" smtClean="0"/>
+                <a:t>Sensor123</a:t>
+              </a:r>
+              <a:endParaRPr lang="en-GB" sz="900" dirty="0"/>
+            </a:p>
+          </p:txBody>
+        </p:sp>
+        <p:sp>
+          <p:nvSpPr>
+            <p:cNvPr id="22" name="Rounded Rectangle 21"/>
+            <p:cNvSpPr/>
+            <p:nvPr/>
+          </p:nvSpPr>
+          <p:spPr>
+            <a:xfrm>
+              <a:off x="2206490" y="4398292"/>
+              <a:ext cx="536335" cy="327688"/>
+            </a:xfrm>
+            <a:prstGeom prst="roundRect">
+              <a:avLst/>
+            </a:prstGeom>
+            <a:gradFill flip="none" rotWithShape="1">
+              <a:gsLst>
+                <a:gs pos="0">
+                  <a:schemeClr val="accent5">
+                    <a:lumMod val="67000"/>
+                  </a:schemeClr>
+                </a:gs>
+                <a:gs pos="48000">
+                  <a:schemeClr val="accent5">
+                    <a:lumMod val="97000"/>
+                    <a:lumOff val="3000"/>
+                  </a:schemeClr>
+                </a:gs>
+                <a:gs pos="100000">
+                  <a:schemeClr val="accent5">
+                    <a:lumMod val="60000"/>
+                    <a:lumOff val="40000"/>
+                  </a:schemeClr>
+                </a:gs>
+              </a:gsLst>
+              <a:lin ang="16200000" scaled="1"/>
+              <a:tileRect/>
+            </a:gradFill>
+          </p:spPr>
+          <p:style>
+            <a:lnRef idx="1">
+              <a:schemeClr val="accent1"/>
+            </a:lnRef>
+            <a:fillRef idx="3">
+              <a:schemeClr val="accent1"/>
+            </a:fillRef>
+            <a:effectRef idx="2">
+              <a:schemeClr val="accent1"/>
+            </a:effectRef>
+            <a:fontRef idx="minor">
+              <a:schemeClr val="lt1"/>
+            </a:fontRef>
+          </p:style>
+          <p:txBody>
+            <a:bodyPr rtlCol="0" anchor="ctr"/>
+            <a:lstStyle/>
+            <a:p>
+              <a:pPr algn="ctr"/>
+              <a:r>
+                <a:rPr lang="en-GB" sz="900" smtClean="0"/>
+                <a:t>alarm</a:t>
+              </a:r>
+              <a:endParaRPr lang="en-GB" sz="900"/>
+            </a:p>
+          </p:txBody>
+        </p:sp>
+        <p:sp>
+          <p:nvSpPr>
+            <p:cNvPr id="23" name="Rounded Rectangle 22"/>
+            <p:cNvSpPr/>
+            <p:nvPr/>
+          </p:nvSpPr>
+          <p:spPr>
+            <a:xfrm>
+              <a:off x="2807418" y="4398292"/>
+              <a:ext cx="717316" cy="327688"/>
+            </a:xfrm>
+            <a:prstGeom prst="roundRect">
+              <a:avLst/>
+            </a:prstGeom>
+            <a:gradFill flip="none" rotWithShape="1">
+              <a:gsLst>
+                <a:gs pos="0">
+                  <a:schemeClr val="accent5">
+                    <a:lumMod val="67000"/>
+                  </a:schemeClr>
+                </a:gs>
+                <a:gs pos="48000">
+                  <a:schemeClr val="accent5">
+                    <a:lumMod val="97000"/>
+                    <a:lumOff val="3000"/>
+                  </a:schemeClr>
+                </a:gs>
+                <a:gs pos="100000">
+                  <a:schemeClr val="accent5">
+                    <a:lumMod val="60000"/>
+                    <a:lumOff val="40000"/>
+                  </a:schemeClr>
+                </a:gs>
+              </a:gsLst>
+              <a:lin ang="16200000" scaled="1"/>
+              <a:tileRect/>
+            </a:gradFill>
+          </p:spPr>
+          <p:style>
+            <a:lnRef idx="1">
+              <a:schemeClr val="accent1"/>
+            </a:lnRef>
+            <a:fillRef idx="3">
+              <a:schemeClr val="accent1"/>
+            </a:fillRef>
+            <a:effectRef idx="2">
+              <a:schemeClr val="accent1"/>
+            </a:effectRef>
+            <a:fontRef idx="minor">
+              <a:schemeClr val="lt1"/>
+            </a:fontRef>
+          </p:style>
+          <p:txBody>
+            <a:bodyPr rtlCol="0" anchor="ctr"/>
+            <a:lstStyle/>
+            <a:p>
+              <a:pPr algn="ctr"/>
+              <a:r>
+                <a:rPr lang="en-GB" sz="900" smtClean="0"/>
+                <a:t>silentTime</a:t>
+              </a:r>
+              <a:endParaRPr lang="en-GB" sz="900" dirty="0"/>
+            </a:p>
+          </p:txBody>
+        </p:sp>
+        <p:sp>
+          <p:nvSpPr>
+            <p:cNvPr id="24" name="Rounded Rectangle 23"/>
+            <p:cNvSpPr/>
+            <p:nvPr/>
+          </p:nvSpPr>
+          <p:spPr>
+            <a:xfrm>
+              <a:off x="3565977" y="4398292"/>
+              <a:ext cx="689390" cy="327688"/>
+            </a:xfrm>
+            <a:prstGeom prst="roundRect">
+              <a:avLst/>
+            </a:prstGeom>
+            <a:gradFill flip="none" rotWithShape="1">
+              <a:gsLst>
+                <a:gs pos="0">
+                  <a:schemeClr val="accent5">
+                    <a:lumMod val="67000"/>
+                  </a:schemeClr>
+                </a:gs>
+                <a:gs pos="48000">
+                  <a:schemeClr val="accent5">
+                    <a:lumMod val="97000"/>
+                    <a:lumOff val="3000"/>
+                  </a:schemeClr>
+                </a:gs>
+                <a:gs pos="100000">
+                  <a:schemeClr val="accent5">
+                    <a:lumMod val="60000"/>
+                    <a:lumOff val="40000"/>
+                  </a:schemeClr>
+                </a:gs>
+              </a:gsLst>
+              <a:lin ang="16200000" scaled="1"/>
+              <a:tileRect/>
+            </a:gradFill>
+          </p:spPr>
+          <p:style>
+            <a:lnRef idx="1">
+              <a:schemeClr val="accent1"/>
+            </a:lnRef>
+            <a:fillRef idx="3">
+              <a:schemeClr val="accent1"/>
+            </a:fillRef>
+            <a:effectRef idx="2">
+              <a:schemeClr val="accent1"/>
+            </a:effectRef>
+            <a:fontRef idx="minor">
+              <a:schemeClr val="lt1"/>
+            </a:fontRef>
+          </p:style>
+          <p:txBody>
+            <a:bodyPr rtlCol="0" anchor="ctr"/>
+            <a:lstStyle/>
+            <a:p>
+              <a:pPr algn="ctr"/>
+              <a:r>
+                <a:rPr lang="en-GB" sz="900" dirty="0" smtClean="0"/>
+                <a:t>sensitivity</a:t>
+              </a:r>
+              <a:endParaRPr lang="en-GB" sz="900" dirty="0"/>
+            </a:p>
+          </p:txBody>
+        </p:sp>
+        <p:cxnSp>
+          <p:nvCxnSpPr>
+            <p:cNvPr id="25" name="Straight Arrow Connector 24"/>
+            <p:cNvCxnSpPr/>
+            <p:nvPr/>
+          </p:nvCxnSpPr>
+          <p:spPr>
+            <a:xfrm flipH="1">
+              <a:off x="2580767" y="3935418"/>
+              <a:ext cx="610434" cy="462873"/>
+            </a:xfrm>
+            <a:prstGeom prst="straightConnector1">
+              <a:avLst/>
+            </a:prstGeom>
+            <a:ln>
+              <a:tailEnd type="triangle"/>
+            </a:ln>
+          </p:spPr>
+          <p:style>
+            <a:lnRef idx="2">
+              <a:schemeClr val="accent1"/>
+            </a:lnRef>
+            <a:fillRef idx="0">
+              <a:schemeClr val="accent1"/>
+            </a:fillRef>
+            <a:effectRef idx="1">
+              <a:schemeClr val="accent1"/>
+            </a:effectRef>
+            <a:fontRef idx="minor">
+              <a:schemeClr val="tx1"/>
+            </a:fontRef>
+          </p:style>
+        </p:cxnSp>
+        <p:cxnSp>
+          <p:nvCxnSpPr>
+            <p:cNvPr id="26" name="Straight Arrow Connector 25"/>
+            <p:cNvCxnSpPr/>
+            <p:nvPr/>
+          </p:nvCxnSpPr>
+          <p:spPr>
+            <a:xfrm>
+              <a:off x="3191201" y="3935418"/>
+              <a:ext cx="0" cy="462873"/>
+            </a:xfrm>
+            <a:prstGeom prst="straightConnector1">
+              <a:avLst/>
+            </a:prstGeom>
+            <a:ln>
+              <a:tailEnd type="triangle"/>
+            </a:ln>
+          </p:spPr>
+          <p:style>
+            <a:lnRef idx="2">
+              <a:schemeClr val="accent1"/>
+            </a:lnRef>
+            <a:fillRef idx="0">
+              <a:schemeClr val="accent1"/>
+            </a:fillRef>
+            <a:effectRef idx="1">
+              <a:schemeClr val="accent1"/>
+            </a:effectRef>
+            <a:fontRef idx="minor">
+              <a:schemeClr val="tx1"/>
+            </a:fontRef>
+          </p:style>
+        </p:cxnSp>
+        <p:cxnSp>
+          <p:nvCxnSpPr>
+            <p:cNvPr id="27" name="Straight Arrow Connector 26"/>
+            <p:cNvCxnSpPr/>
+            <p:nvPr/>
+          </p:nvCxnSpPr>
+          <p:spPr>
+            <a:xfrm>
+              <a:off x="3191201" y="3935418"/>
+              <a:ext cx="719471" cy="462873"/>
+            </a:xfrm>
+            <a:prstGeom prst="straightConnector1">
+              <a:avLst/>
+            </a:prstGeom>
+            <a:ln>
+              <a:tailEnd type="triangle"/>
+            </a:ln>
+          </p:spPr>
+          <p:style>
+            <a:lnRef idx="2">
+              <a:schemeClr val="accent1"/>
+            </a:lnRef>
+            <a:fillRef idx="0">
+              <a:schemeClr val="accent1"/>
+            </a:fillRef>
+            <a:effectRef idx="1">
+              <a:schemeClr val="accent1"/>
+            </a:effectRef>
+            <a:fontRef idx="minor">
+              <a:schemeClr val="tx1"/>
+            </a:fontRef>
+          </p:style>
+        </p:cxnSp>
+        <p:sp>
+          <p:nvSpPr>
+            <p:cNvPr id="28" name="TextBox 27"/>
+            <p:cNvSpPr txBox="1"/>
+            <p:nvPr/>
+          </p:nvSpPr>
+          <p:spPr>
+            <a:xfrm>
+              <a:off x="2085174" y="3935417"/>
+              <a:ext cx="671979" cy="230832"/>
+            </a:xfrm>
+            <a:prstGeom prst="rect">
+              <a:avLst/>
+            </a:prstGeom>
+            <a:noFill/>
+          </p:spPr>
+          <p:txBody>
+            <a:bodyPr wrap="none" rtlCol="0">
+              <a:spAutoFit/>
+            </a:bodyPr>
+            <a:lstStyle/>
+            <a:p>
+              <a:r>
+                <a:rPr lang="en-GB" sz="900" smtClean="0"/>
+                <a:t>Properties</a:t>
+              </a:r>
+              <a:endParaRPr lang="en-GB" sz="900" dirty="0"/>
+            </a:p>
+          </p:txBody>
+        </p:sp>
+        <p:sp>
+          <p:nvSpPr>
+            <p:cNvPr id="29" name="Oval 28"/>
+            <p:cNvSpPr/>
+            <p:nvPr/>
+          </p:nvSpPr>
+          <p:spPr>
+            <a:xfrm>
+              <a:off x="2712230" y="2449221"/>
+              <a:ext cx="957942" cy="590190"/>
+            </a:xfrm>
+            <a:prstGeom prst="ellipse">
+              <a:avLst/>
+            </a:prstGeom>
+            <a:gradFill flip="none" rotWithShape="1">
+              <a:gsLst>
+                <a:gs pos="0">
+                  <a:schemeClr val="accent6">
+                    <a:lumMod val="67000"/>
+                  </a:schemeClr>
+                </a:gs>
+                <a:gs pos="48000">
+                  <a:schemeClr val="accent6">
+                    <a:lumMod val="97000"/>
+                    <a:lumOff val="3000"/>
+                  </a:schemeClr>
+                </a:gs>
+                <a:gs pos="100000">
+                  <a:schemeClr val="accent6">
+                    <a:lumMod val="60000"/>
+                    <a:lumOff val="40000"/>
+                  </a:schemeClr>
+                </a:gs>
+              </a:gsLst>
+              <a:lin ang="16200000" scaled="1"/>
+              <a:tileRect/>
+            </a:gradFill>
+          </p:spPr>
+          <p:style>
+            <a:lnRef idx="1">
+              <a:schemeClr val="accent1"/>
+            </a:lnRef>
+            <a:fillRef idx="3">
+              <a:schemeClr val="accent1"/>
+            </a:fillRef>
+            <a:effectRef idx="2">
+              <a:schemeClr val="accent1"/>
+            </a:effectRef>
+            <a:fontRef idx="minor">
+              <a:schemeClr val="lt1"/>
+            </a:fontRef>
+          </p:style>
+          <p:txBody>
+            <a:bodyPr rtlCol="0" anchor="ctr"/>
+            <a:lstStyle/>
+            <a:p>
+              <a:pPr algn="ctr"/>
+              <a:r>
+                <a:rPr lang="en-GB" sz="900" dirty="0" smtClean="0"/>
+                <a:t>Thing</a:t>
+              </a:r>
+              <a:endParaRPr lang="en-GB" sz="900" dirty="0"/>
+            </a:p>
+          </p:txBody>
+        </p:sp>
+        <p:cxnSp>
+          <p:nvCxnSpPr>
+            <p:cNvPr id="30" name="Straight Arrow Connector 29"/>
+            <p:cNvCxnSpPr/>
+            <p:nvPr/>
+          </p:nvCxnSpPr>
+          <p:spPr>
+            <a:xfrm>
+              <a:off x="3191201" y="3039411"/>
+              <a:ext cx="0" cy="305818"/>
+            </a:xfrm>
+            <a:prstGeom prst="straightConnector1">
+              <a:avLst/>
+            </a:prstGeom>
+            <a:ln>
+              <a:tailEnd type="triangle"/>
+            </a:ln>
+          </p:spPr>
+          <p:style>
+            <a:lnRef idx="2">
+              <a:schemeClr val="accent1"/>
+            </a:lnRef>
+            <a:fillRef idx="0">
+              <a:schemeClr val="accent1"/>
+            </a:fillRef>
+            <a:effectRef idx="1">
+              <a:schemeClr val="accent1"/>
+            </a:effectRef>
+            <a:fontRef idx="minor">
+              <a:schemeClr val="tx1"/>
+            </a:fontRef>
+          </p:style>
+        </p:cxnSp>
+        <p:sp>
+          <p:nvSpPr>
+            <p:cNvPr id="31" name="TextBox 30"/>
+            <p:cNvSpPr txBox="1"/>
+            <p:nvPr/>
+          </p:nvSpPr>
+          <p:spPr>
+            <a:xfrm>
+              <a:off x="2331317" y="3019391"/>
+              <a:ext cx="579005" cy="230832"/>
+            </a:xfrm>
+            <a:prstGeom prst="rect">
+              <a:avLst/>
+            </a:prstGeom>
+            <a:noFill/>
+          </p:spPr>
+          <p:txBody>
+            <a:bodyPr wrap="none" rtlCol="0">
+              <a:spAutoFit/>
+            </a:bodyPr>
+            <a:lstStyle/>
+            <a:p>
+              <a:r>
+                <a:rPr lang="en-GB" sz="900" dirty="0" smtClean="0"/>
+                <a:t>Instance</a:t>
+              </a:r>
+              <a:endParaRPr lang="en-GB" sz="900" dirty="0"/>
+            </a:p>
+          </p:txBody>
+        </p:sp>
+        <p:sp>
+          <p:nvSpPr>
+            <p:cNvPr id="32" name="TextBox 31"/>
+            <p:cNvSpPr txBox="1"/>
+            <p:nvPr/>
+          </p:nvSpPr>
+          <p:spPr>
+            <a:xfrm>
+              <a:off x="3865904" y="3686210"/>
+              <a:ext cx="981238" cy="507831"/>
+            </a:xfrm>
+            <a:prstGeom prst="rect">
+              <a:avLst/>
+            </a:prstGeom>
+            <a:noFill/>
+          </p:spPr>
+          <p:txBody>
+            <a:bodyPr wrap="square" rtlCol="0">
+              <a:spAutoFit/>
+            </a:bodyPr>
+            <a:lstStyle/>
+            <a:p>
+              <a:pPr algn="ctr"/>
+              <a:r>
+                <a:rPr lang="en-GB" sz="900" dirty="0" smtClean="0">
+                  <a:solidFill>
+                    <a:schemeClr val="accent1">
+                      <a:lumMod val="75000"/>
+                    </a:schemeClr>
+                  </a:solidFill>
+                </a:rPr>
+                <a:t>The mapping may not </a:t>
+              </a:r>
+              <a:r>
+                <a:rPr lang="en-GB" sz="900" smtClean="0">
+                  <a:solidFill>
+                    <a:schemeClr val="accent1">
+                      <a:lumMod val="75000"/>
+                    </a:schemeClr>
+                  </a:solidFill>
+                </a:rPr>
+                <a:t>be isomorphic</a:t>
+              </a:r>
+              <a:endParaRPr lang="en-GB" sz="900">
+                <a:solidFill>
+                  <a:schemeClr val="accent1">
+                    <a:lumMod val="75000"/>
+                  </a:schemeClr>
+                </a:solidFill>
+              </a:endParaRPr>
+            </a:p>
+          </p:txBody>
+        </p:sp>
+      </p:grpSp>
+      <p:sp>
+        <p:nvSpPr>
+          <p:cNvPr id="34" name="TextBox 33"/>
+          <p:cNvSpPr txBox="1"/>
+          <p:nvPr/>
+        </p:nvSpPr>
+        <p:spPr>
+          <a:xfrm>
+            <a:off x="759331" y="4888483"/>
+            <a:ext cx="2784737" cy="253916"/>
+          </a:xfrm>
+          <a:prstGeom prst="rect">
+            <a:avLst/>
+          </a:prstGeom>
+          <a:noFill/>
+        </p:spPr>
+        <p:txBody>
+          <a:bodyPr wrap="none" rtlCol="0">
+            <a:spAutoFit/>
+          </a:bodyPr>
+          <a:lstStyle/>
+          <a:p>
+            <a:r>
+              <a:rPr lang="en-GB" sz="1050" dirty="0" smtClean="0">
+                <a:ln w="0"/>
+                <a:solidFill>
+                  <a:schemeClr val="accent1">
+                    <a:lumMod val="75000"/>
+                  </a:schemeClr>
+                </a:solidFill>
+                <a:effectLst>
+                  <a:outerShdw blurRad="38100" dist="19050" dir="2700000" algn="tl" rotWithShape="0">
+                    <a:schemeClr val="dk1">
+                      <a:alpha val="40000"/>
+                    </a:schemeClr>
+                  </a:outerShdw>
+                </a:effectLst>
+              </a:rPr>
+              <a:t>* oneM2M has already defined their ontologies</a:t>
+            </a:r>
+            <a:endParaRPr lang="en-GB" sz="1050" dirty="0">
+              <a:ln w="0"/>
+              <a:solidFill>
+                <a:schemeClr val="accent1">
+                  <a:lumMod val="75000"/>
+                </a:schemeClr>
+              </a:solidFill>
+              <a:effectLst>
+                <a:outerShdw blurRad="38100" dist="19050" dir="2700000" algn="tl" rotWithShape="0">
+                  <a:schemeClr val="dk1">
+                    <a:alpha val="40000"/>
+                  </a:schemeClr>
+                </a:outerShdw>
+              </a:effectLst>
+            </a:endParaRPr>
+          </a:p>
+        </p:txBody>
+      </p:sp>
+    </p:spTree>
+    <p:extLst>
+      <p:ext uri="{BB962C8B-B14F-4D97-AF65-F5344CB8AC3E}">
+        <p14:creationId xmlns:p14="http://schemas.microsoft.com/office/powerpoint/2010/main" val="963133892"/>
+      </p:ext>
+    </p:extLst>
+  </p:cSld>
+  <p:clrMapOvr>
+    <a:masterClrMapping/>
+  </p:clrMapOvr>
+</p:sld>
+</file>
+
+<file path=ppt/slides/slide24.xml><?xml version="1.0" encoding="utf-8"?>
+<p:sld xmlns:a="http://schemas.openxmlformats.org/drawingml/2006/main" xmlns:r="http://schemas.openxmlformats.org/officeDocument/2006/relationships" xmlns:p="http://schemas.openxmlformats.org/presentationml/2006/main">
+  <p:cSld>
+    <p:spTree>
+      <p:nvGrpSpPr>
+        <p:cNvPr id="1" name=""/>
+        <p:cNvGrpSpPr/>
+        <p:nvPr/>
+      </p:nvGrpSpPr>
+      <p:grpSpPr>
+        <a:xfrm>
+          <a:off x="0" y="0"/>
+          <a:ext cx="0" cy="0"/>
+          <a:chOff x="0" y="0"/>
+          <a:chExt cx="0" cy="0"/>
+        </a:xfrm>
+      </p:grpSpPr>
+      <p:sp>
+        <p:nvSpPr>
+          <p:cNvPr id="2" name="Title 1"/>
+          <p:cNvSpPr>
+            <a:spLocks noGrp="1"/>
+          </p:cNvSpPr>
+          <p:nvPr>
+            <p:ph type="title"/>
+          </p:nvPr>
+        </p:nvSpPr>
         <p:spPr>
           <a:xfrm>
             <a:off x="722671" y="2064276"/>
@@ -6860,7 +9803,7 @@
           <a:p>
             <a:fld id="{F558E1C9-ACA8-C844-BF9D-B5BFB8FAABAF}" type="slidenum">
               <a:rPr lang="en-US" smtClean="0"/>
-              <a:t>22</a:t>
+              <a:t>24</a:t>
             </a:fld>
             <a:endParaRPr lang="en-US"/>
           </a:p>
